--- a/Project1-ExploreVis/Taraqur Rahman/CitiBike_Presentation.pptx
+++ b/Project1-ExploreVis/Taraqur Rahman/CitiBike_Presentation.pptx
@@ -1,18 +1,25 @@
 
 <file path=ppt/presentation.xml><?xml version="1.0" encoding="utf-8"?>
-<p:presentation xmlns:a="http://schemas.openxmlformats.org/drawingml/2006/main" xmlns:r="http://schemas.openxmlformats.org/officeDocument/2006/relationships" xmlns:p="http://schemas.openxmlformats.org/presentationml/2006/main" saveSubsetFonts="1" autoCompressPictures="0">
+<p:presentation xmlns:a="http://schemas.openxmlformats.org/drawingml/2006/main" xmlns:r="http://schemas.openxmlformats.org/officeDocument/2006/relationships" xmlns:p="http://schemas.openxmlformats.org/presentationml/2006/main" showSpecialPlsOnTitleSld="0" saveSubsetFonts="1" autoCompressPictures="0">
   <p:sldMasterIdLst>
     <p:sldMasterId id="2147483648" r:id="rId1"/>
   </p:sldMasterIdLst>
+  <p:notesMasterIdLst>
+    <p:notesMasterId r:id="rId11"/>
+  </p:notesMasterIdLst>
+  <p:handoutMasterIdLst>
+    <p:handoutMasterId r:id="rId12"/>
+  </p:handoutMasterIdLst>
   <p:sldIdLst>
     <p:sldId id="256" r:id="rId2"/>
-    <p:sldId id="257" r:id="rId3"/>
-    <p:sldId id="258" r:id="rId4"/>
+    <p:sldId id="258" r:id="rId3"/>
+    <p:sldId id="265" r:id="rId4"/>
     <p:sldId id="259" r:id="rId5"/>
-    <p:sldId id="260" r:id="rId6"/>
+    <p:sldId id="264" r:id="rId6"/>
     <p:sldId id="261" r:id="rId7"/>
     <p:sldId id="262" r:id="rId8"/>
-    <p:sldId id="263" r:id="rId9"/>
+    <p:sldId id="267" r:id="rId9"/>
+    <p:sldId id="263" r:id="rId10"/>
   </p:sldIdLst>
   <p:sldSz cx="9144000" cy="6858000" type="screen4x3"/>
   <p:notesSz cx="6858000" cy="9144000"/>
@@ -114,6 +121,523 @@
 </p:presentation>
 </file>
 
+<file path=ppt/handoutMasters/handoutMaster1.xml><?xml version="1.0" encoding="utf-8"?>
+<p:handoutMaster xmlns:a="http://schemas.openxmlformats.org/drawingml/2006/main" xmlns:r="http://schemas.openxmlformats.org/officeDocument/2006/relationships" xmlns:p="http://schemas.openxmlformats.org/presentationml/2006/main">
+  <p:cSld>
+    <p:bg>
+      <p:bgRef idx="1001">
+        <a:schemeClr val="bg1"/>
+      </p:bgRef>
+    </p:bg>
+    <p:spTree>
+      <p:nvGrpSpPr>
+        <p:cNvPr id="1" name=""/>
+        <p:cNvGrpSpPr/>
+        <p:nvPr/>
+      </p:nvGrpSpPr>
+      <p:grpSpPr>
+        <a:xfrm>
+          <a:off x="0" y="0"/>
+          <a:ext cx="0" cy="0"/>
+          <a:chOff x="0" y="0"/>
+          <a:chExt cx="0" cy="0"/>
+        </a:xfrm>
+      </p:grpSpPr>
+      <p:sp>
+        <p:nvSpPr>
+          <p:cNvPr id="2" name="Header Placeholder 1"/>
+          <p:cNvSpPr>
+            <a:spLocks noGrp="1"/>
+          </p:cNvSpPr>
+          <p:nvPr>
+            <p:ph type="hdr" sz="quarter"/>
+          </p:nvPr>
+        </p:nvSpPr>
+        <p:spPr>
+          <a:xfrm>
+            <a:off x="0" y="0"/>
+            <a:ext cx="2971800" cy="457200"/>
+          </a:xfrm>
+          <a:prstGeom prst="rect">
+            <a:avLst/>
+          </a:prstGeom>
+        </p:spPr>
+        <p:txBody>
+          <a:bodyPr vert="horz" lIns="91440" tIns="45720" rIns="91440" bIns="45720" rtlCol="0"/>
+          <a:lstStyle>
+            <a:lvl1pPr algn="l">
+              <a:defRPr sz="1200"/>
+            </a:lvl1pPr>
+          </a:lstStyle>
+          <a:p>
+            <a:endParaRPr lang="en-US"/>
+          </a:p>
+        </p:txBody>
+      </p:sp>
+      <p:sp>
+        <p:nvSpPr>
+          <p:cNvPr id="3" name="Date Placeholder 2"/>
+          <p:cNvSpPr>
+            <a:spLocks noGrp="1"/>
+          </p:cNvSpPr>
+          <p:nvPr>
+            <p:ph type="dt" sz="quarter" idx="1"/>
+          </p:nvPr>
+        </p:nvSpPr>
+        <p:spPr>
+          <a:xfrm>
+            <a:off x="3884613" y="0"/>
+            <a:ext cx="2971800" cy="457200"/>
+          </a:xfrm>
+          <a:prstGeom prst="rect">
+            <a:avLst/>
+          </a:prstGeom>
+        </p:spPr>
+        <p:txBody>
+          <a:bodyPr vert="horz" lIns="91440" tIns="45720" rIns="91440" bIns="45720" rtlCol="0"/>
+          <a:lstStyle>
+            <a:lvl1pPr algn="r">
+              <a:defRPr sz="1200"/>
+            </a:lvl1pPr>
+          </a:lstStyle>
+          <a:p>
+            <a:fld id="{88417410-E9CB-034D-B178-2D1DED523E58}" type="datetimeFigureOut">
+              <a:rPr lang="en-US" smtClean="0"/>
+              <a:t>4/26/16</a:t>
+            </a:fld>
+            <a:endParaRPr lang="en-US"/>
+          </a:p>
+        </p:txBody>
+      </p:sp>
+      <p:sp>
+        <p:nvSpPr>
+          <p:cNvPr id="4" name="Footer Placeholder 3"/>
+          <p:cNvSpPr>
+            <a:spLocks noGrp="1"/>
+          </p:cNvSpPr>
+          <p:nvPr>
+            <p:ph type="ftr" sz="quarter" idx="2"/>
+          </p:nvPr>
+        </p:nvSpPr>
+        <p:spPr>
+          <a:xfrm>
+            <a:off x="0" y="8685213"/>
+            <a:ext cx="2971800" cy="457200"/>
+          </a:xfrm>
+          <a:prstGeom prst="rect">
+            <a:avLst/>
+          </a:prstGeom>
+        </p:spPr>
+        <p:txBody>
+          <a:bodyPr vert="horz" lIns="91440" tIns="45720" rIns="91440" bIns="45720" rtlCol="0" anchor="b"/>
+          <a:lstStyle>
+            <a:lvl1pPr algn="l">
+              <a:defRPr sz="1200"/>
+            </a:lvl1pPr>
+          </a:lstStyle>
+          <a:p>
+            <a:endParaRPr lang="en-US"/>
+          </a:p>
+        </p:txBody>
+      </p:sp>
+      <p:sp>
+        <p:nvSpPr>
+          <p:cNvPr id="5" name="Slide Number Placeholder 4"/>
+          <p:cNvSpPr>
+            <a:spLocks noGrp="1"/>
+          </p:cNvSpPr>
+          <p:nvPr>
+            <p:ph type="sldNum" sz="quarter" idx="3"/>
+          </p:nvPr>
+        </p:nvSpPr>
+        <p:spPr>
+          <a:xfrm>
+            <a:off x="3884613" y="8685213"/>
+            <a:ext cx="2971800" cy="457200"/>
+          </a:xfrm>
+          <a:prstGeom prst="rect">
+            <a:avLst/>
+          </a:prstGeom>
+        </p:spPr>
+        <p:txBody>
+          <a:bodyPr vert="horz" lIns="91440" tIns="45720" rIns="91440" bIns="45720" rtlCol="0" anchor="b"/>
+          <a:lstStyle>
+            <a:lvl1pPr algn="r">
+              <a:defRPr sz="1200"/>
+            </a:lvl1pPr>
+          </a:lstStyle>
+          <a:p>
+            <a:fld id="{92163B55-5365-6243-8723-E378D3585ADF}" type="slidenum">
+              <a:rPr lang="en-US" smtClean="0"/>
+              <a:t>‹#›</a:t>
+            </a:fld>
+            <a:endParaRPr lang="en-US"/>
+          </a:p>
+        </p:txBody>
+      </p:sp>
+    </p:spTree>
+    <p:extLst>
+      <p:ext uri="{BB962C8B-B14F-4D97-AF65-F5344CB8AC3E}">
+        <p14:creationId xmlns:p14="http://schemas.microsoft.com/office/powerpoint/2010/main" val="3357021493"/>
+      </p:ext>
+    </p:extLst>
+  </p:cSld>
+  <p:clrMap bg1="lt1" tx1="dk1" bg2="lt2" tx2="dk2" accent1="accent1" accent2="accent2" accent3="accent3" accent4="accent4" accent5="accent5" accent6="accent6" hlink="hlink" folHlink="folHlink"/>
+  <p:hf hdr="0" ftr="0" dt="0"/>
+</p:handoutMaster>
+</file>
+
+<file path=ppt/notesMasters/notesMaster1.xml><?xml version="1.0" encoding="utf-8"?>
+<p:notesMaster xmlns:a="http://schemas.openxmlformats.org/drawingml/2006/main" xmlns:r="http://schemas.openxmlformats.org/officeDocument/2006/relationships" xmlns:p="http://schemas.openxmlformats.org/presentationml/2006/main">
+  <p:cSld>
+    <p:bg>
+      <p:bgRef idx="1001">
+        <a:schemeClr val="bg1"/>
+      </p:bgRef>
+    </p:bg>
+    <p:spTree>
+      <p:nvGrpSpPr>
+        <p:cNvPr id="1" name=""/>
+        <p:cNvGrpSpPr/>
+        <p:nvPr/>
+      </p:nvGrpSpPr>
+      <p:grpSpPr>
+        <a:xfrm>
+          <a:off x="0" y="0"/>
+          <a:ext cx="0" cy="0"/>
+          <a:chOff x="0" y="0"/>
+          <a:chExt cx="0" cy="0"/>
+        </a:xfrm>
+      </p:grpSpPr>
+      <p:sp>
+        <p:nvSpPr>
+          <p:cNvPr id="2" name="Header Placeholder 1"/>
+          <p:cNvSpPr>
+            <a:spLocks noGrp="1"/>
+          </p:cNvSpPr>
+          <p:nvPr>
+            <p:ph type="hdr" sz="quarter"/>
+          </p:nvPr>
+        </p:nvSpPr>
+        <p:spPr>
+          <a:xfrm>
+            <a:off x="0" y="0"/>
+            <a:ext cx="2971800" cy="457200"/>
+          </a:xfrm>
+          <a:prstGeom prst="rect">
+            <a:avLst/>
+          </a:prstGeom>
+        </p:spPr>
+        <p:txBody>
+          <a:bodyPr vert="horz" lIns="91440" tIns="45720" rIns="91440" bIns="45720" rtlCol="0"/>
+          <a:lstStyle>
+            <a:lvl1pPr algn="l">
+              <a:defRPr sz="1200"/>
+            </a:lvl1pPr>
+          </a:lstStyle>
+          <a:p>
+            <a:endParaRPr lang="en-US"/>
+          </a:p>
+        </p:txBody>
+      </p:sp>
+      <p:sp>
+        <p:nvSpPr>
+          <p:cNvPr id="3" name="Date Placeholder 2"/>
+          <p:cNvSpPr>
+            <a:spLocks noGrp="1"/>
+          </p:cNvSpPr>
+          <p:nvPr>
+            <p:ph type="dt" idx="1"/>
+          </p:nvPr>
+        </p:nvSpPr>
+        <p:spPr>
+          <a:xfrm>
+            <a:off x="3884613" y="0"/>
+            <a:ext cx="2971800" cy="457200"/>
+          </a:xfrm>
+          <a:prstGeom prst="rect">
+            <a:avLst/>
+          </a:prstGeom>
+        </p:spPr>
+        <p:txBody>
+          <a:bodyPr vert="horz" lIns="91440" tIns="45720" rIns="91440" bIns="45720" rtlCol="0"/>
+          <a:lstStyle>
+            <a:lvl1pPr algn="r">
+              <a:defRPr sz="1200"/>
+            </a:lvl1pPr>
+          </a:lstStyle>
+          <a:p>
+            <a:fld id="{3DA2A715-090D-3D4E-8082-B529203A6441}" type="datetimeFigureOut">
+              <a:rPr lang="en-US" smtClean="0"/>
+              <a:t>4/26/16</a:t>
+            </a:fld>
+            <a:endParaRPr lang="en-US"/>
+          </a:p>
+        </p:txBody>
+      </p:sp>
+      <p:sp>
+        <p:nvSpPr>
+          <p:cNvPr id="4" name="Slide Image Placeholder 3"/>
+          <p:cNvSpPr>
+            <a:spLocks noGrp="1" noRot="1" noChangeAspect="1"/>
+          </p:cNvSpPr>
+          <p:nvPr>
+            <p:ph type="sldImg" idx="2"/>
+          </p:nvPr>
+        </p:nvSpPr>
+        <p:spPr>
+          <a:xfrm>
+            <a:off x="1143000" y="685800"/>
+            <a:ext cx="4572000" cy="3429000"/>
+          </a:xfrm>
+          <a:prstGeom prst="rect">
+            <a:avLst/>
+          </a:prstGeom>
+          <a:noFill/>
+          <a:ln w="12700">
+            <a:solidFill>
+              <a:prstClr val="black"/>
+            </a:solidFill>
+          </a:ln>
+        </p:spPr>
+        <p:txBody>
+          <a:bodyPr vert="horz" lIns="91440" tIns="45720" rIns="91440" bIns="45720" rtlCol="0" anchor="ctr"/>
+          <a:lstStyle/>
+          <a:p>
+            <a:endParaRPr lang="en-US"/>
+          </a:p>
+        </p:txBody>
+      </p:sp>
+      <p:sp>
+        <p:nvSpPr>
+          <p:cNvPr id="5" name="Notes Placeholder 4"/>
+          <p:cNvSpPr>
+            <a:spLocks noGrp="1"/>
+          </p:cNvSpPr>
+          <p:nvPr>
+            <p:ph type="body" sz="quarter" idx="3"/>
+          </p:nvPr>
+        </p:nvSpPr>
+        <p:spPr>
+          <a:xfrm>
+            <a:off x="685800" y="4343400"/>
+            <a:ext cx="5486400" cy="4114800"/>
+          </a:xfrm>
+          <a:prstGeom prst="rect">
+            <a:avLst/>
+          </a:prstGeom>
+        </p:spPr>
+        <p:txBody>
+          <a:bodyPr vert="horz" lIns="91440" tIns="45720" rIns="91440" bIns="45720" rtlCol="0"/>
+          <a:lstStyle/>
+          <a:p>
+            <a:pPr lvl="0"/>
+            <a:r>
+              <a:rPr lang="en-US" smtClean="0"/>
+              <a:t>Click to edit Master text styles</a:t>
+            </a:r>
+          </a:p>
+          <a:p>
+            <a:pPr lvl="1"/>
+            <a:r>
+              <a:rPr lang="en-US" smtClean="0"/>
+              <a:t>Second level</a:t>
+            </a:r>
+          </a:p>
+          <a:p>
+            <a:pPr lvl="2"/>
+            <a:r>
+              <a:rPr lang="en-US" smtClean="0"/>
+              <a:t>Third level</a:t>
+            </a:r>
+          </a:p>
+          <a:p>
+            <a:pPr lvl="3"/>
+            <a:r>
+              <a:rPr lang="en-US" smtClean="0"/>
+              <a:t>Fourth level</a:t>
+            </a:r>
+          </a:p>
+          <a:p>
+            <a:pPr lvl="4"/>
+            <a:r>
+              <a:rPr lang="en-US" smtClean="0"/>
+              <a:t>Fifth level</a:t>
+            </a:r>
+            <a:endParaRPr lang="en-US"/>
+          </a:p>
+        </p:txBody>
+      </p:sp>
+      <p:sp>
+        <p:nvSpPr>
+          <p:cNvPr id="6" name="Footer Placeholder 5"/>
+          <p:cNvSpPr>
+            <a:spLocks noGrp="1"/>
+          </p:cNvSpPr>
+          <p:nvPr>
+            <p:ph type="ftr" sz="quarter" idx="4"/>
+          </p:nvPr>
+        </p:nvSpPr>
+        <p:spPr>
+          <a:xfrm>
+            <a:off x="0" y="8685213"/>
+            <a:ext cx="2971800" cy="457200"/>
+          </a:xfrm>
+          <a:prstGeom prst="rect">
+            <a:avLst/>
+          </a:prstGeom>
+        </p:spPr>
+        <p:txBody>
+          <a:bodyPr vert="horz" lIns="91440" tIns="45720" rIns="91440" bIns="45720" rtlCol="0" anchor="b"/>
+          <a:lstStyle>
+            <a:lvl1pPr algn="l">
+              <a:defRPr sz="1200"/>
+            </a:lvl1pPr>
+          </a:lstStyle>
+          <a:p>
+            <a:endParaRPr lang="en-US"/>
+          </a:p>
+        </p:txBody>
+      </p:sp>
+      <p:sp>
+        <p:nvSpPr>
+          <p:cNvPr id="7" name="Slide Number Placeholder 6"/>
+          <p:cNvSpPr>
+            <a:spLocks noGrp="1"/>
+          </p:cNvSpPr>
+          <p:nvPr>
+            <p:ph type="sldNum" sz="quarter" idx="5"/>
+          </p:nvPr>
+        </p:nvSpPr>
+        <p:spPr>
+          <a:xfrm>
+            <a:off x="3884613" y="8685213"/>
+            <a:ext cx="2971800" cy="457200"/>
+          </a:xfrm>
+          <a:prstGeom prst="rect">
+            <a:avLst/>
+          </a:prstGeom>
+        </p:spPr>
+        <p:txBody>
+          <a:bodyPr vert="horz" lIns="91440" tIns="45720" rIns="91440" bIns="45720" rtlCol="0" anchor="b"/>
+          <a:lstStyle>
+            <a:lvl1pPr algn="r">
+              <a:defRPr sz="1200"/>
+            </a:lvl1pPr>
+          </a:lstStyle>
+          <a:p>
+            <a:fld id="{BF5558CA-597C-4241-9908-97BE0E878978}" type="slidenum">
+              <a:rPr lang="en-US" smtClean="0"/>
+              <a:t>‹#›</a:t>
+            </a:fld>
+            <a:endParaRPr lang="en-US"/>
+          </a:p>
+        </p:txBody>
+      </p:sp>
+    </p:spTree>
+    <p:extLst>
+      <p:ext uri="{BB962C8B-B14F-4D97-AF65-F5344CB8AC3E}">
+        <p14:creationId xmlns:p14="http://schemas.microsoft.com/office/powerpoint/2010/main" val="3416465990"/>
+      </p:ext>
+    </p:extLst>
+  </p:cSld>
+  <p:clrMap bg1="lt1" tx1="dk1" bg2="lt2" tx2="dk2" accent1="accent1" accent2="accent2" accent3="accent3" accent4="accent4" accent5="accent5" accent6="accent6" hlink="hlink" folHlink="folHlink"/>
+  <p:hf hdr="0" ftr="0" dt="0"/>
+  <p:notesStyle>
+    <a:lvl1pPr marL="0" algn="l" defTabSz="457200" rtl="0" eaLnBrk="1" latinLnBrk="0" hangingPunct="1">
+      <a:defRPr sz="1200" kern="1200">
+        <a:solidFill>
+          <a:schemeClr val="tx1"/>
+        </a:solidFill>
+        <a:latin typeface="+mn-lt"/>
+        <a:ea typeface="+mn-ea"/>
+        <a:cs typeface="+mn-cs"/>
+      </a:defRPr>
+    </a:lvl1pPr>
+    <a:lvl2pPr marL="457200" algn="l" defTabSz="457200" rtl="0" eaLnBrk="1" latinLnBrk="0" hangingPunct="1">
+      <a:defRPr sz="1200" kern="1200">
+        <a:solidFill>
+          <a:schemeClr val="tx1"/>
+        </a:solidFill>
+        <a:latin typeface="+mn-lt"/>
+        <a:ea typeface="+mn-ea"/>
+        <a:cs typeface="+mn-cs"/>
+      </a:defRPr>
+    </a:lvl2pPr>
+    <a:lvl3pPr marL="914400" algn="l" defTabSz="457200" rtl="0" eaLnBrk="1" latinLnBrk="0" hangingPunct="1">
+      <a:defRPr sz="1200" kern="1200">
+        <a:solidFill>
+          <a:schemeClr val="tx1"/>
+        </a:solidFill>
+        <a:latin typeface="+mn-lt"/>
+        <a:ea typeface="+mn-ea"/>
+        <a:cs typeface="+mn-cs"/>
+      </a:defRPr>
+    </a:lvl3pPr>
+    <a:lvl4pPr marL="1371600" algn="l" defTabSz="457200" rtl="0" eaLnBrk="1" latinLnBrk="0" hangingPunct="1">
+      <a:defRPr sz="1200" kern="1200">
+        <a:solidFill>
+          <a:schemeClr val="tx1"/>
+        </a:solidFill>
+        <a:latin typeface="+mn-lt"/>
+        <a:ea typeface="+mn-ea"/>
+        <a:cs typeface="+mn-cs"/>
+      </a:defRPr>
+    </a:lvl4pPr>
+    <a:lvl5pPr marL="1828800" algn="l" defTabSz="457200" rtl="0" eaLnBrk="1" latinLnBrk="0" hangingPunct="1">
+      <a:defRPr sz="1200" kern="1200">
+        <a:solidFill>
+          <a:schemeClr val="tx1"/>
+        </a:solidFill>
+        <a:latin typeface="+mn-lt"/>
+        <a:ea typeface="+mn-ea"/>
+        <a:cs typeface="+mn-cs"/>
+      </a:defRPr>
+    </a:lvl5pPr>
+    <a:lvl6pPr marL="2286000" algn="l" defTabSz="457200" rtl="0" eaLnBrk="1" latinLnBrk="0" hangingPunct="1">
+      <a:defRPr sz="1200" kern="1200">
+        <a:solidFill>
+          <a:schemeClr val="tx1"/>
+        </a:solidFill>
+        <a:latin typeface="+mn-lt"/>
+        <a:ea typeface="+mn-ea"/>
+        <a:cs typeface="+mn-cs"/>
+      </a:defRPr>
+    </a:lvl6pPr>
+    <a:lvl7pPr marL="2743200" algn="l" defTabSz="457200" rtl="0" eaLnBrk="1" latinLnBrk="0" hangingPunct="1">
+      <a:defRPr sz="1200" kern="1200">
+        <a:solidFill>
+          <a:schemeClr val="tx1"/>
+        </a:solidFill>
+        <a:latin typeface="+mn-lt"/>
+        <a:ea typeface="+mn-ea"/>
+        <a:cs typeface="+mn-cs"/>
+      </a:defRPr>
+    </a:lvl7pPr>
+    <a:lvl8pPr marL="3200400" algn="l" defTabSz="457200" rtl="0" eaLnBrk="1" latinLnBrk="0" hangingPunct="1">
+      <a:defRPr sz="1200" kern="1200">
+        <a:solidFill>
+          <a:schemeClr val="tx1"/>
+        </a:solidFill>
+        <a:latin typeface="+mn-lt"/>
+        <a:ea typeface="+mn-ea"/>
+        <a:cs typeface="+mn-cs"/>
+      </a:defRPr>
+    </a:lvl8pPr>
+    <a:lvl9pPr marL="3657600" algn="l" defTabSz="457200" rtl="0" eaLnBrk="1" latinLnBrk="0" hangingPunct="1">
+      <a:defRPr sz="1200" kern="1200">
+        <a:solidFill>
+          <a:schemeClr val="tx1"/>
+        </a:solidFill>
+        <a:latin typeface="+mn-lt"/>
+        <a:ea typeface="+mn-ea"/>
+        <a:cs typeface="+mn-cs"/>
+      </a:defRPr>
+    </a:lvl9pPr>
+  </p:notesStyle>
+</p:notesMaster>
+</file>
+
 <file path=ppt/slideLayouts/slideLayout1.xml><?xml version="1.0" encoding="utf-8"?>
 <p:sldLayout xmlns:a="http://schemas.openxmlformats.org/drawingml/2006/main" xmlns:r="http://schemas.openxmlformats.org/officeDocument/2006/relationships" xmlns:p="http://schemas.openxmlformats.org/presentationml/2006/main" type="title" preserve="1">
   <p:cSld name="Title Slide">
@@ -293,9 +817,9 @@
           <a:bodyPr/>
           <a:lstStyle/>
           <a:p>
-            <a:fld id="{3C5D6CE1-BE2D-7847-8922-005E72FB8CF1}" type="datetimeFigureOut">
-              <a:rPr lang="en-US" smtClean="0"/>
-              <a:t>4/24/16</a:t>
+            <a:fld id="{27C82FAF-EF7D-4E4C-9624-DDA83AEE741F}" type="datetime1">
+              <a:rPr lang="en-US" smtClean="0"/>
+              <a:t>4/26/16</a:t>
             </a:fld>
             <a:endParaRPr lang="en-US"/>
           </a:p>
@@ -463,9 +987,9 @@
           <a:bodyPr/>
           <a:lstStyle/>
           <a:p>
-            <a:fld id="{3C5D6CE1-BE2D-7847-8922-005E72FB8CF1}" type="datetimeFigureOut">
-              <a:rPr lang="en-US" smtClean="0"/>
-              <a:t>4/24/16</a:t>
+            <a:fld id="{8F9373A6-4F2B-5249-BD7D-809BE5D1EC48}" type="datetime1">
+              <a:rPr lang="en-US" smtClean="0"/>
+              <a:t>4/26/16</a:t>
             </a:fld>
             <a:endParaRPr lang="en-US"/>
           </a:p>
@@ -643,9 +1167,9 @@
           <a:bodyPr/>
           <a:lstStyle/>
           <a:p>
-            <a:fld id="{3C5D6CE1-BE2D-7847-8922-005E72FB8CF1}" type="datetimeFigureOut">
-              <a:rPr lang="en-US" smtClean="0"/>
-              <a:t>4/24/16</a:t>
+            <a:fld id="{1C0E133B-A0D2-D645-ACD7-DD9505B58C8A}" type="datetime1">
+              <a:rPr lang="en-US" smtClean="0"/>
+              <a:t>4/26/16</a:t>
             </a:fld>
             <a:endParaRPr lang="en-US"/>
           </a:p>
@@ -813,9 +1337,9 @@
           <a:bodyPr/>
           <a:lstStyle/>
           <a:p>
-            <a:fld id="{3C5D6CE1-BE2D-7847-8922-005E72FB8CF1}" type="datetimeFigureOut">
-              <a:rPr lang="en-US" smtClean="0"/>
-              <a:t>4/24/16</a:t>
+            <a:fld id="{1585AD03-B22F-DA4D-AB93-8BCBCDBA7AA4}" type="datetime1">
+              <a:rPr lang="en-US" smtClean="0"/>
+              <a:t>4/26/16</a:t>
             </a:fld>
             <a:endParaRPr lang="en-US"/>
           </a:p>
@@ -1059,9 +1583,9 @@
           <a:bodyPr/>
           <a:lstStyle/>
           <a:p>
-            <a:fld id="{3C5D6CE1-BE2D-7847-8922-005E72FB8CF1}" type="datetimeFigureOut">
-              <a:rPr lang="en-US" smtClean="0"/>
-              <a:t>4/24/16</a:t>
+            <a:fld id="{829DBEE2-F934-224D-A64A-3BA7B4930668}" type="datetime1">
+              <a:rPr lang="en-US" smtClean="0"/>
+              <a:t>4/26/16</a:t>
             </a:fld>
             <a:endParaRPr lang="en-US"/>
           </a:p>
@@ -1347,9 +1871,9 @@
           <a:bodyPr/>
           <a:lstStyle/>
           <a:p>
-            <a:fld id="{3C5D6CE1-BE2D-7847-8922-005E72FB8CF1}" type="datetimeFigureOut">
-              <a:rPr lang="en-US" smtClean="0"/>
-              <a:t>4/24/16</a:t>
+            <a:fld id="{DF382854-F048-1E49-AAE9-A2D79C6E3301}" type="datetime1">
+              <a:rPr lang="en-US" smtClean="0"/>
+              <a:t>4/26/16</a:t>
             </a:fld>
             <a:endParaRPr lang="en-US"/>
           </a:p>
@@ -1769,9 +2293,9 @@
           <a:bodyPr/>
           <a:lstStyle/>
           <a:p>
-            <a:fld id="{3C5D6CE1-BE2D-7847-8922-005E72FB8CF1}" type="datetimeFigureOut">
-              <a:rPr lang="en-US" smtClean="0"/>
-              <a:t>4/24/16</a:t>
+            <a:fld id="{68276AF7-B118-EC4F-81CB-047D06F7DBC2}" type="datetime1">
+              <a:rPr lang="en-US" smtClean="0"/>
+              <a:t>4/26/16</a:t>
             </a:fld>
             <a:endParaRPr lang="en-US"/>
           </a:p>
@@ -1887,9 +2411,9 @@
           <a:bodyPr/>
           <a:lstStyle/>
           <a:p>
-            <a:fld id="{3C5D6CE1-BE2D-7847-8922-005E72FB8CF1}" type="datetimeFigureOut">
-              <a:rPr lang="en-US" smtClean="0"/>
-              <a:t>4/24/16</a:t>
+            <a:fld id="{9C376DF8-9A36-604C-853F-30F9D14AFBCD}" type="datetime1">
+              <a:rPr lang="en-US" smtClean="0"/>
+              <a:t>4/26/16</a:t>
             </a:fld>
             <a:endParaRPr lang="en-US"/>
           </a:p>
@@ -1982,9 +2506,9 @@
           <a:bodyPr/>
           <a:lstStyle/>
           <a:p>
-            <a:fld id="{3C5D6CE1-BE2D-7847-8922-005E72FB8CF1}" type="datetimeFigureOut">
-              <a:rPr lang="en-US" smtClean="0"/>
-              <a:t>4/24/16</a:t>
+            <a:fld id="{06CE4778-7CC7-C344-8DE0-71B51F337742}" type="datetime1">
+              <a:rPr lang="en-US" smtClean="0"/>
+              <a:t>4/26/16</a:t>
             </a:fld>
             <a:endParaRPr lang="en-US"/>
           </a:p>
@@ -2259,9 +2783,9 @@
           <a:bodyPr/>
           <a:lstStyle/>
           <a:p>
-            <a:fld id="{3C5D6CE1-BE2D-7847-8922-005E72FB8CF1}" type="datetimeFigureOut">
-              <a:rPr lang="en-US" smtClean="0"/>
-              <a:t>4/24/16</a:t>
+            <a:fld id="{BCC52420-DD0C-5447-A617-99145B6FC56A}" type="datetime1">
+              <a:rPr lang="en-US" smtClean="0"/>
+              <a:t>4/26/16</a:t>
             </a:fld>
             <a:endParaRPr lang="en-US"/>
           </a:p>
@@ -2512,9 +3036,9 @@
           <a:bodyPr/>
           <a:lstStyle/>
           <a:p>
-            <a:fld id="{3C5D6CE1-BE2D-7847-8922-005E72FB8CF1}" type="datetimeFigureOut">
-              <a:rPr lang="en-US" smtClean="0"/>
-              <a:t>4/24/16</a:t>
+            <a:fld id="{E85DC769-FF4C-F74E-95A6-D21BDAAB697C}" type="datetime1">
+              <a:rPr lang="en-US" smtClean="0"/>
+              <a:t>4/26/16</a:t>
             </a:fld>
             <a:endParaRPr lang="en-US"/>
           </a:p>
@@ -2725,9 +3249,9 @@
             </a:lvl1pPr>
           </a:lstStyle>
           <a:p>
-            <a:fld id="{3C5D6CE1-BE2D-7847-8922-005E72FB8CF1}" type="datetimeFigureOut">
-              <a:rPr lang="en-US" smtClean="0"/>
-              <a:t>4/24/16</a:t>
+            <a:fld id="{51D7AD58-6028-B246-8DE0-BFAE24CE4CF9}" type="datetime1">
+              <a:rPr lang="en-US" smtClean="0"/>
+              <a:t>4/26/16</a:t>
             </a:fld>
             <a:endParaRPr lang="en-US"/>
           </a:p>
@@ -2832,6 +3356,7 @@
     <p:sldLayoutId id="2147483658" r:id="rId10"/>
     <p:sldLayoutId id="2147483659" r:id="rId11"/>
   </p:sldLayoutIdLst>
+  <p:hf hdr="0" ftr="0" dt="0"/>
   <p:txStyles>
     <p:titleStyle>
       <a:lvl1pPr algn="ctr" defTabSz="457200" rtl="0" eaLnBrk="1" latinLnBrk="0" hangingPunct="1">
@@ -3102,6 +3627,36 @@
           <a:chExt cx="0" cy="0"/>
         </a:xfrm>
       </p:grpSpPr>
+      <p:pic>
+        <p:nvPicPr>
+          <p:cNvPr id="4" name="Picture 3" descr="citibike.jpg"/>
+          <p:cNvPicPr>
+            <a:picLocks noChangeAspect="1"/>
+          </p:cNvPicPr>
+          <p:nvPr/>
+        </p:nvPicPr>
+        <p:blipFill>
+          <a:blip r:embed="rId2">
+            <a:extLst>
+              <a:ext uri="{28A0092B-C50C-407E-A947-70E740481C1C}">
+                <a14:useLocalDpi xmlns:a14="http://schemas.microsoft.com/office/drawing/2010/main" val="0"/>
+              </a:ext>
+            </a:extLst>
+          </a:blip>
+          <a:stretch>
+            <a:fillRect/>
+          </a:stretch>
+        </p:blipFill>
+        <p:spPr>
+          <a:xfrm>
+            <a:off x="2337780" y="1749296"/>
+            <a:ext cx="6779551" cy="5108704"/>
+          </a:xfrm>
+          <a:prstGeom prst="rect">
+            <a:avLst/>
+          </a:prstGeom>
+        </p:spPr>
+      </p:pic>
       <p:sp>
         <p:nvSpPr>
           <p:cNvPr id="2" name="Title 1"/>
@@ -3112,35 +3667,86 @@
             <p:ph type="ctrTitle"/>
           </p:nvPr>
         </p:nvSpPr>
-        <p:spPr/>
-        <p:txBody>
-          <a:bodyPr/>
-          <a:lstStyle/>
-          <a:p>
-            <a:r>
-              <a:rPr lang="en-US" dirty="0" smtClean="0"/>
-              <a:t>New York Citi Transportation</a:t>
-            </a:r>
-            <a:endParaRPr lang="en-US" dirty="0"/>
-          </a:p>
-        </p:txBody>
-      </p:sp>
-      <p:sp>
-        <p:nvSpPr>
-          <p:cNvPr id="3" name="Subtitle 2"/>
-          <p:cNvSpPr>
-            <a:spLocks noGrp="1"/>
-          </p:cNvSpPr>
-          <p:nvPr>
-            <p:ph type="subTitle" idx="1"/>
-          </p:nvPr>
-        </p:nvSpPr>
-        <p:spPr/>
-        <p:txBody>
-          <a:bodyPr/>
-          <a:lstStyle/>
-          <a:p>
-            <a:endParaRPr lang="en-US" dirty="0"/>
+        <p:spPr>
+          <a:xfrm>
+            <a:off x="441785" y="398227"/>
+            <a:ext cx="5264588" cy="1470025"/>
+          </a:xfrm>
+        </p:spPr>
+        <p:txBody>
+          <a:bodyPr/>
+          <a:lstStyle/>
+          <a:p>
+            <a:pPr algn="l"/>
+            <a:r>
+              <a:rPr lang="en-US" dirty="0" smtClean="0">
+                <a:solidFill>
+                  <a:srgbClr val="000090"/>
+                </a:solidFill>
+              </a:rPr>
+              <a:t>Velocity of </a:t>
+            </a:r>
+            <a:r>
+              <a:rPr lang="en-US" dirty="0" err="1" smtClean="0">
+                <a:solidFill>
+                  <a:srgbClr val="000090"/>
+                </a:solidFill>
+              </a:rPr>
+              <a:t>CitiBikes</a:t>
+            </a:r>
+            <a:endParaRPr lang="en-US" dirty="0">
+              <a:solidFill>
+                <a:srgbClr val="000090"/>
+              </a:solidFill>
+            </a:endParaRPr>
+          </a:p>
+        </p:txBody>
+      </p:sp>
+      <p:sp>
+        <p:nvSpPr>
+          <p:cNvPr id="5" name="TextBox 4"/>
+          <p:cNvSpPr txBox="1"/>
+          <p:nvPr/>
+        </p:nvSpPr>
+        <p:spPr>
+          <a:xfrm>
+            <a:off x="589039" y="2337379"/>
+            <a:ext cx="2024842" cy="646331"/>
+          </a:xfrm>
+          <a:prstGeom prst="rect">
+            <a:avLst/>
+          </a:prstGeom>
+          <a:noFill/>
+        </p:spPr>
+        <p:txBody>
+          <a:bodyPr wrap="square" rtlCol="0">
+            <a:spAutoFit/>
+          </a:bodyPr>
+          <a:lstStyle/>
+          <a:p>
+            <a:r>
+              <a:rPr lang="en-US" dirty="0" smtClean="0">
+                <a:solidFill>
+                  <a:srgbClr val="000090"/>
+                </a:solidFill>
+              </a:rPr>
+              <a:t>Taraqur Rahman</a:t>
+            </a:r>
+          </a:p>
+          <a:p>
+            <a:r>
+              <a:rPr lang="en-US" dirty="0" smtClean="0">
+                <a:solidFill>
+                  <a:srgbClr val="000090"/>
+                </a:solidFill>
+              </a:rPr>
+              <a:t>April 28, 2016</a:t>
+            </a:r>
+            <a:endParaRPr lang="en-US" dirty="0">
+              <a:solidFill>
+                <a:srgbClr val="000090"/>
+              </a:solidFill>
+            </a:endParaRPr>
           </a:p>
         </p:txBody>
       </p:sp>
@@ -3190,68 +3796,219 @@
           <a:lstStyle/>
           <a:p>
             <a:r>
-              <a:rPr lang="en-US" dirty="0" err="1" smtClean="0"/>
+              <a:rPr lang="en-US" dirty="0" err="1" smtClean="0">
+                <a:solidFill>
+                  <a:srgbClr val="000090"/>
+                </a:solidFill>
+              </a:rPr>
               <a:t>CitiBikes</a:t>
             </a:r>
+            <a:endParaRPr lang="en-US" dirty="0">
+              <a:solidFill>
+                <a:srgbClr val="000090"/>
+              </a:solidFill>
+            </a:endParaRPr>
+          </a:p>
+        </p:txBody>
+      </p:sp>
+      <p:sp>
+        <p:nvSpPr>
+          <p:cNvPr id="3" name="Content Placeholder 2"/>
+          <p:cNvSpPr>
+            <a:spLocks noGrp="1"/>
+          </p:cNvSpPr>
+          <p:nvPr>
+            <p:ph idx="1"/>
+          </p:nvPr>
+        </p:nvSpPr>
+        <p:spPr/>
+        <p:txBody>
+          <a:bodyPr>
+            <a:normAutofit lnSpcReduction="10000"/>
+          </a:bodyPr>
+          <a:lstStyle/>
+          <a:p>
+            <a:pPr marL="0" indent="0">
+              <a:buNone/>
+            </a:pPr>
+            <a:r>
+              <a:rPr lang="en-US" dirty="0" err="1" smtClean="0">
+                <a:solidFill>
+                  <a:srgbClr val="000090"/>
+                </a:solidFill>
+              </a:rPr>
+              <a:t>CitiGroup</a:t>
+            </a:r>
+            <a:r>
+              <a:rPr lang="en-US" dirty="0" smtClean="0">
+                <a:solidFill>
+                  <a:srgbClr val="000090"/>
+                </a:solidFill>
+              </a:rPr>
+              <a:t> teamed up with Motivate in 2011</a:t>
+            </a:r>
+          </a:p>
+          <a:p>
+            <a:r>
+              <a:rPr lang="en-US" dirty="0" err="1" smtClean="0">
+                <a:solidFill>
+                  <a:srgbClr val="000090"/>
+                </a:solidFill>
+              </a:rPr>
+              <a:t>CitiGroup</a:t>
+            </a:r>
+            <a:r>
+              <a:rPr lang="en-US" dirty="0" smtClean="0">
+                <a:solidFill>
+                  <a:srgbClr val="000090"/>
+                </a:solidFill>
+              </a:rPr>
+              <a:t> supplies the funds</a:t>
+            </a:r>
+          </a:p>
+          <a:p>
+            <a:r>
+              <a:rPr lang="en-US" dirty="0" smtClean="0">
+                <a:solidFill>
+                  <a:srgbClr val="000090"/>
+                </a:solidFill>
+              </a:rPr>
+              <a:t>Motivate supplies the bikes</a:t>
+            </a:r>
+          </a:p>
+          <a:p>
+            <a:pPr marL="0" indent="0">
+              <a:buNone/>
+            </a:pPr>
+            <a:endParaRPr lang="en-US" dirty="0" smtClean="0">
+              <a:solidFill>
+                <a:srgbClr val="000090"/>
+              </a:solidFill>
+            </a:endParaRPr>
+          </a:p>
+          <a:p>
+            <a:pPr marL="0" indent="0">
+              <a:buNone/>
+            </a:pPr>
+            <a:r>
+              <a:rPr lang="en-US" dirty="0" err="1" smtClean="0">
+                <a:solidFill>
+                  <a:srgbClr val="000090"/>
+                </a:solidFill>
+              </a:rPr>
+              <a:t>CitiBike</a:t>
+            </a:r>
+            <a:r>
+              <a:rPr lang="en-US" dirty="0" smtClean="0">
+                <a:solidFill>
+                  <a:srgbClr val="000090"/>
+                </a:solidFill>
+              </a:rPr>
+              <a:t> program started May 2013 </a:t>
+            </a:r>
+            <a:endParaRPr lang="en-US" dirty="0" smtClean="0">
+              <a:solidFill>
+                <a:srgbClr val="000090"/>
+              </a:solidFill>
+            </a:endParaRPr>
+          </a:p>
+          <a:p>
+            <a:pPr marL="0" indent="0">
+              <a:buNone/>
+            </a:pPr>
+            <a:endParaRPr lang="en-US" dirty="0">
+              <a:solidFill>
+                <a:srgbClr val="000090"/>
+              </a:solidFill>
+            </a:endParaRPr>
+          </a:p>
+          <a:p>
+            <a:pPr marL="0" indent="0">
+              <a:buNone/>
+            </a:pPr>
+            <a:r>
+              <a:rPr lang="en-US" dirty="0">
+                <a:solidFill>
+                  <a:srgbClr val="000090"/>
+                </a:solidFill>
+              </a:rPr>
+              <a:t>January 2016 </a:t>
+            </a:r>
+            <a:r>
+              <a:rPr lang="en-US" dirty="0" err="1">
+                <a:solidFill>
+                  <a:srgbClr val="000090"/>
+                </a:solidFill>
+              </a:rPr>
+              <a:t>CitiBIke</a:t>
+            </a:r>
+            <a:r>
+              <a:rPr lang="en-US" dirty="0">
+                <a:solidFill>
+                  <a:srgbClr val="000090"/>
+                </a:solidFill>
+              </a:rPr>
+              <a:t> data</a:t>
+            </a:r>
+          </a:p>
+          <a:p>
+            <a:pPr marL="0" indent="0">
+              <a:buNone/>
+            </a:pPr>
+            <a:r>
+              <a:rPr lang="en-US" dirty="0">
+                <a:solidFill>
+                  <a:srgbClr val="000090"/>
+                </a:solidFill>
+              </a:rPr>
+              <a:t>509478 X 15 </a:t>
+            </a:r>
+          </a:p>
+          <a:p>
+            <a:pPr marL="0" indent="0">
+              <a:buNone/>
+            </a:pPr>
+            <a:endParaRPr lang="en-US" dirty="0" smtClean="0">
+              <a:solidFill>
+                <a:srgbClr val="000090"/>
+              </a:solidFill>
+            </a:endParaRPr>
+          </a:p>
+          <a:p>
+            <a:pPr marL="0" indent="0">
+              <a:buNone/>
+            </a:pPr>
             <a:endParaRPr lang="en-US" dirty="0"/>
           </a:p>
         </p:txBody>
       </p:sp>
       <p:sp>
         <p:nvSpPr>
-          <p:cNvPr id="3" name="Content Placeholder 2"/>
-          <p:cNvSpPr>
-            <a:spLocks noGrp="1"/>
-          </p:cNvSpPr>
-          <p:nvPr>
-            <p:ph idx="1"/>
+          <p:cNvPr id="4" name="Slide Number Placeholder 3"/>
+          <p:cNvSpPr>
+            <a:spLocks noGrp="1"/>
+          </p:cNvSpPr>
+          <p:nvPr>
+            <p:ph type="sldNum" sz="quarter" idx="12"/>
           </p:nvPr>
         </p:nvSpPr>
         <p:spPr/>
         <p:txBody>
-          <a:bodyPr>
-            <a:normAutofit/>
-          </a:bodyPr>
-          <a:lstStyle/>
-          <a:p>
-            <a:pPr marL="0" indent="0">
-              <a:buNone/>
-            </a:pPr>
-            <a:r>
-              <a:rPr lang="en-US" dirty="0" smtClean="0"/>
-              <a:t>Bike transportation is becoming very popular</a:t>
-            </a:r>
-          </a:p>
-          <a:p>
-            <a:r>
-              <a:rPr lang="en-US" dirty="0" smtClean="0"/>
-              <a:t>Healthier</a:t>
-            </a:r>
-          </a:p>
-          <a:p>
-            <a:r>
-              <a:rPr lang="en-US" dirty="0" smtClean="0"/>
-              <a:t>Green</a:t>
-            </a:r>
-          </a:p>
-          <a:p>
-            <a:r>
-              <a:rPr lang="en-US" dirty="0" smtClean="0"/>
-              <a:t>Faster?</a:t>
-            </a:r>
-          </a:p>
-          <a:p>
-            <a:pPr marL="0" indent="0">
-              <a:buNone/>
-            </a:pPr>
-            <a:endParaRPr lang="en-US" dirty="0" smtClean="0"/>
+          <a:bodyPr/>
+          <a:lstStyle/>
+          <a:p>
+            <a:fld id="{1A2E43FF-E6FA-5349-9CFE-D91336EA9137}" type="slidenum">
+              <a:rPr lang="en-US" smtClean="0"/>
+              <a:t>2</a:t>
+            </a:fld>
+            <a:endParaRPr lang="en-US"/>
           </a:p>
         </p:txBody>
       </p:sp>
     </p:spTree>
     <p:extLst>
       <p:ext uri="{BB962C8B-B14F-4D97-AF65-F5344CB8AC3E}">
-        <p14:creationId xmlns:p14="http://schemas.microsoft.com/office/powerpoint/2010/main" val="761710562"/>
+        <p14:creationId xmlns:p14="http://schemas.microsoft.com/office/powerpoint/2010/main" val="4083846597"/>
       </p:ext>
     </p:extLst>
   </p:cSld>
@@ -3294,21 +4051,215 @@
           <a:lstStyle/>
           <a:p>
             <a:r>
-              <a:rPr lang="en-US" dirty="0" err="1" smtClean="0"/>
-              <a:t>CitiBikes</a:t>
-            </a:r>
+              <a:rPr lang="en-US" dirty="0" smtClean="0">
+                <a:solidFill>
+                  <a:srgbClr val="000090"/>
+                </a:solidFill>
+              </a:rPr>
+              <a:t>Calculating Velocity</a:t>
+            </a:r>
+            <a:endParaRPr lang="en-US" dirty="0">
+              <a:solidFill>
+                <a:srgbClr val="000090"/>
+              </a:solidFill>
+            </a:endParaRPr>
+          </a:p>
+        </p:txBody>
+      </p:sp>
+      <p:sp>
+        <p:nvSpPr>
+          <p:cNvPr id="3" name="Content Placeholder 2"/>
+          <p:cNvSpPr>
+            <a:spLocks noGrp="1"/>
+          </p:cNvSpPr>
+          <p:nvPr>
+            <p:ph idx="1"/>
+          </p:nvPr>
+        </p:nvSpPr>
+        <p:spPr/>
+        <p:txBody>
+          <a:bodyPr>
+            <a:normAutofit/>
+          </a:bodyPr>
+          <a:lstStyle/>
+          <a:p>
+            <a:pPr marL="0" indent="0" algn="ctr">
+              <a:buNone/>
+            </a:pPr>
+            <a:endParaRPr lang="en-US" dirty="0" smtClean="0">
+              <a:solidFill>
+                <a:srgbClr val="000090"/>
+              </a:solidFill>
+            </a:endParaRPr>
+          </a:p>
+          <a:p>
+            <a:pPr marL="0" indent="0" algn="ctr">
+              <a:buNone/>
+            </a:pPr>
+            <a:r>
+              <a:rPr lang="en-US" sz="2400" dirty="0" smtClean="0">
+                <a:solidFill>
+                  <a:srgbClr val="000090"/>
+                </a:solidFill>
+              </a:rPr>
+              <a:t>                    Ending coordinates - Starting coordinates</a:t>
+            </a:r>
+          </a:p>
+          <a:p>
+            <a:pPr marL="0" indent="0" algn="ctr">
+              <a:buNone/>
+            </a:pPr>
+            <a:r>
+              <a:rPr lang="en-US" sz="2400" dirty="0" smtClean="0">
+                <a:solidFill>
+                  <a:srgbClr val="000090"/>
+                </a:solidFill>
+              </a:rPr>
+              <a:t>                    Duration</a:t>
+            </a:r>
+          </a:p>
+          <a:p>
+            <a:pPr marL="0" indent="0" algn="ctr">
+              <a:buNone/>
+            </a:pPr>
+            <a:endParaRPr lang="en-US" dirty="0">
+              <a:solidFill>
+                <a:srgbClr val="000090"/>
+              </a:solidFill>
+            </a:endParaRPr>
+          </a:p>
+          <a:p>
+            <a:r>
+              <a:rPr lang="en-US" dirty="0" smtClean="0">
+                <a:solidFill>
+                  <a:srgbClr val="000090"/>
+                </a:solidFill>
+              </a:rPr>
+              <a:t>Took into account the curvature of the Earth</a:t>
+            </a:r>
+          </a:p>
+          <a:p>
+            <a:r>
+              <a:rPr lang="en-US" dirty="0" smtClean="0">
+                <a:solidFill>
+                  <a:srgbClr val="000090"/>
+                </a:solidFill>
+              </a:rPr>
+              <a:t>Numerator is the </a:t>
+            </a:r>
+            <a:r>
+              <a:rPr lang="en-US" i="1" dirty="0" smtClean="0">
+                <a:solidFill>
+                  <a:srgbClr val="000090"/>
+                </a:solidFill>
+              </a:rPr>
+              <a:t>displacement</a:t>
+            </a:r>
+            <a:r>
+              <a:rPr lang="en-US" dirty="0" smtClean="0">
+                <a:solidFill>
+                  <a:srgbClr val="000090"/>
+                </a:solidFill>
+              </a:rPr>
+              <a:t>, not the distance</a:t>
+            </a:r>
+          </a:p>
+          <a:p>
             <a:endParaRPr lang="en-US" dirty="0"/>
           </a:p>
         </p:txBody>
       </p:sp>
       <p:sp>
         <p:nvSpPr>
-          <p:cNvPr id="3" name="Content Placeholder 2"/>
-          <p:cNvSpPr>
-            <a:spLocks noGrp="1"/>
-          </p:cNvSpPr>
-          <p:nvPr>
-            <p:ph idx="1"/>
+          <p:cNvPr id="4" name="Rectangle 3"/>
+          <p:cNvSpPr/>
+          <p:nvPr/>
+        </p:nvSpPr>
+        <p:spPr>
+          <a:xfrm>
+            <a:off x="2787089" y="2610892"/>
+            <a:ext cx="4974408" cy="45719"/>
+          </a:xfrm>
+          <a:prstGeom prst="rect">
+            <a:avLst/>
+          </a:prstGeom>
+          <a:solidFill>
+            <a:schemeClr val="tx1"/>
+          </a:solidFill>
+          <a:ln>
+            <a:noFill/>
+          </a:ln>
+        </p:spPr>
+        <p:style>
+          <a:lnRef idx="1">
+            <a:schemeClr val="accent1"/>
+          </a:lnRef>
+          <a:fillRef idx="3">
+            <a:schemeClr val="accent1"/>
+          </a:fillRef>
+          <a:effectRef idx="2">
+            <a:schemeClr val="accent1"/>
+          </a:effectRef>
+          <a:fontRef idx="minor">
+            <a:schemeClr val="lt1"/>
+          </a:fontRef>
+        </p:style>
+        <p:txBody>
+          <a:bodyPr rtlCol="0" anchor="ctr"/>
+          <a:lstStyle/>
+          <a:p>
+            <a:pPr algn="ctr"/>
+            <a:endParaRPr lang="en-US"/>
+          </a:p>
+        </p:txBody>
+      </p:sp>
+      <p:sp>
+        <p:nvSpPr>
+          <p:cNvPr id="5" name="TextBox 4"/>
+          <p:cNvSpPr txBox="1"/>
+          <p:nvPr/>
+        </p:nvSpPr>
+        <p:spPr>
+          <a:xfrm>
+            <a:off x="476280" y="2311300"/>
+            <a:ext cx="2116762" cy="584776"/>
+          </a:xfrm>
+          <a:prstGeom prst="rect">
+            <a:avLst/>
+          </a:prstGeom>
+          <a:noFill/>
+        </p:spPr>
+        <p:txBody>
+          <a:bodyPr wrap="square" rtlCol="0">
+            <a:spAutoFit/>
+          </a:bodyPr>
+          <a:lstStyle/>
+          <a:p>
+            <a:pPr algn="r"/>
+            <a:r>
+              <a:rPr lang="en-US" sz="3200" dirty="0" smtClean="0">
+                <a:solidFill>
+                  <a:srgbClr val="000090"/>
+                </a:solidFill>
+              </a:rPr>
+              <a:t>Velocity  = </a:t>
+            </a:r>
+            <a:endParaRPr lang="en-US" sz="3200" dirty="0">
+              <a:solidFill>
+                <a:srgbClr val="000090"/>
+              </a:solidFill>
+            </a:endParaRPr>
+          </a:p>
+        </p:txBody>
+      </p:sp>
+      <p:sp>
+        <p:nvSpPr>
+          <p:cNvPr id="6" name="Slide Number Placeholder 5"/>
+          <p:cNvSpPr>
+            <a:spLocks noGrp="1"/>
+          </p:cNvSpPr>
+          <p:nvPr>
+            <p:ph type="sldNum" sz="quarter" idx="12"/>
           </p:nvPr>
         </p:nvSpPr>
         <p:spPr/>
@@ -3316,65 +4267,18 @@
           <a:bodyPr/>
           <a:lstStyle/>
           <a:p>
-            <a:pPr marL="0" indent="0">
-              <a:buNone/>
-            </a:pPr>
-            <a:r>
-              <a:rPr lang="en-US" dirty="0" err="1" smtClean="0"/>
-              <a:t>CitiGroup</a:t>
-            </a:r>
-            <a:r>
-              <a:rPr lang="en-US" dirty="0" smtClean="0"/>
-              <a:t> teamed up with Motivate in 2011</a:t>
-            </a:r>
-          </a:p>
-          <a:p>
-            <a:r>
-              <a:rPr lang="en-US" dirty="0" err="1" smtClean="0"/>
-              <a:t>CitiGroup</a:t>
-            </a:r>
-            <a:r>
-              <a:rPr lang="en-US" dirty="0" smtClean="0"/>
-              <a:t> supplies the funds</a:t>
-            </a:r>
-          </a:p>
-          <a:p>
-            <a:r>
-              <a:rPr lang="en-US" dirty="0" smtClean="0"/>
-              <a:t>Motivate supplies the bikes</a:t>
-            </a:r>
-          </a:p>
-          <a:p>
-            <a:pPr marL="0" indent="0">
-              <a:buNone/>
-            </a:pPr>
-            <a:endParaRPr lang="en-US" dirty="0" smtClean="0"/>
-          </a:p>
-          <a:p>
-            <a:pPr marL="0" indent="0">
-              <a:buNone/>
-            </a:pPr>
-            <a:r>
-              <a:rPr lang="en-US" dirty="0" err="1" smtClean="0"/>
-              <a:t>CitiBike</a:t>
-            </a:r>
-            <a:r>
-              <a:rPr lang="en-US" dirty="0" smtClean="0"/>
-              <a:t> program started May 2013 </a:t>
-            </a:r>
-          </a:p>
-          <a:p>
-            <a:pPr marL="0" indent="0">
-              <a:buNone/>
-            </a:pPr>
-            <a:endParaRPr lang="en-US" dirty="0"/>
+            <a:fld id="{1A2E43FF-E6FA-5349-9CFE-D91336EA9137}" type="slidenum">
+              <a:rPr lang="en-US" smtClean="0"/>
+              <a:t>3</a:t>
+            </a:fld>
+            <a:endParaRPr lang="en-US"/>
           </a:p>
         </p:txBody>
       </p:sp>
     </p:spTree>
     <p:extLst>
       <p:ext uri="{BB962C8B-B14F-4D97-AF65-F5344CB8AC3E}">
-        <p14:creationId xmlns:p14="http://schemas.microsoft.com/office/powerpoint/2010/main" val="4083846597"/>
+        <p14:creationId xmlns:p14="http://schemas.microsoft.com/office/powerpoint/2010/main" val="700130944"/>
       </p:ext>
     </p:extLst>
   </p:cSld>
@@ -3403,12 +4307,72 @@
       </p:grpSpPr>
       <p:sp>
         <p:nvSpPr>
-          <p:cNvPr id="2" name="Title 1"/>
-          <p:cNvSpPr>
-            <a:spLocks noGrp="1"/>
-          </p:cNvSpPr>
-          <p:nvPr>
-            <p:ph type="title"/>
+          <p:cNvPr id="7" name="TextBox 6"/>
+          <p:cNvSpPr txBox="1"/>
+          <p:nvPr/>
+        </p:nvSpPr>
+        <p:spPr>
+          <a:xfrm>
+            <a:off x="5853633" y="2449358"/>
+            <a:ext cx="2797963" cy="461665"/>
+          </a:xfrm>
+          <a:prstGeom prst="rect">
+            <a:avLst/>
+          </a:prstGeom>
+          <a:noFill/>
+        </p:spPr>
+        <p:txBody>
+          <a:bodyPr wrap="square" rtlCol="0">
+            <a:spAutoFit/>
+          </a:bodyPr>
+          <a:lstStyle/>
+          <a:p>
+            <a:r>
+              <a:rPr lang="en-US" sz="2400" dirty="0" smtClean="0"/>
+              <a:t>Mean = 5.874 mph</a:t>
+            </a:r>
+            <a:endParaRPr lang="en-US" sz="2400" dirty="0"/>
+          </a:p>
+        </p:txBody>
+      </p:sp>
+      <p:pic>
+        <p:nvPicPr>
+          <p:cNvPr id="9" name="Picture 8" descr="Total_Vel.png"/>
+          <p:cNvPicPr>
+            <a:picLocks noChangeAspect="1"/>
+          </p:cNvPicPr>
+          <p:nvPr/>
+        </p:nvPicPr>
+        <p:blipFill>
+          <a:blip r:embed="rId2">
+            <a:extLst>
+              <a:ext uri="{28A0092B-C50C-407E-A947-70E740481C1C}">
+                <a14:useLocalDpi xmlns:a14="http://schemas.microsoft.com/office/drawing/2010/main" val="0"/>
+              </a:ext>
+            </a:extLst>
+          </a:blip>
+          <a:stretch>
+            <a:fillRect/>
+          </a:stretch>
+        </p:blipFill>
+        <p:spPr>
+          <a:xfrm>
+            <a:off x="0" y="558336"/>
+            <a:ext cx="8867885" cy="6190788"/>
+          </a:xfrm>
+          <a:prstGeom prst="rect">
+            <a:avLst/>
+          </a:prstGeom>
+        </p:spPr>
+      </p:pic>
+      <p:sp>
+        <p:nvSpPr>
+          <p:cNvPr id="10" name="Slide Number Placeholder 9"/>
+          <p:cNvSpPr>
+            <a:spLocks noGrp="1"/>
+          </p:cNvSpPr>
+          <p:nvPr>
+            <p:ph type="sldNum" sz="quarter" idx="12"/>
           </p:nvPr>
         </p:nvSpPr>
         <p:spPr/>
@@ -3416,11 +4380,11 @@
           <a:bodyPr/>
           <a:lstStyle/>
           <a:p>
-            <a:r>
-              <a:rPr lang="en-US" dirty="0" smtClean="0"/>
-              <a:t>Ride Durations Under 45 Min</a:t>
-            </a:r>
-            <a:endParaRPr lang="en-US" dirty="0"/>
+            <a:fld id="{1A2E43FF-E6FA-5349-9CFE-D91336EA9137}" type="slidenum">
+              <a:rPr lang="en-US" smtClean="0"/>
+              <a:t>4</a:t>
+            </a:fld>
+            <a:endParaRPr lang="en-US"/>
           </a:p>
         </p:txBody>
       </p:sp>
@@ -3470,21 +4434,302 @@
           <a:lstStyle/>
           <a:p>
             <a:r>
-              <a:rPr lang="en-US" dirty="0" smtClean="0"/>
-              <a:t>Velocity Density Map</a:t>
-            </a:r>
-            <a:endParaRPr lang="en-US" dirty="0"/>
-          </a:p>
-        </p:txBody>
-      </p:sp>
-      <p:sp>
-        <p:nvSpPr>
-          <p:cNvPr id="3" name="Content Placeholder 2"/>
-          <p:cNvSpPr>
-            <a:spLocks noGrp="1"/>
-          </p:cNvSpPr>
-          <p:nvPr>
-            <p:ph idx="1"/>
+              <a:rPr lang="en-US" dirty="0" smtClean="0">
+                <a:solidFill>
+                  <a:srgbClr val="000090"/>
+                </a:solidFill>
+              </a:rPr>
+              <a:t>Displacement vs. Distance</a:t>
+            </a:r>
+            <a:endParaRPr lang="en-US" dirty="0">
+              <a:solidFill>
+                <a:srgbClr val="000090"/>
+              </a:solidFill>
+            </a:endParaRPr>
+          </a:p>
+        </p:txBody>
+      </p:sp>
+      <p:pic>
+        <p:nvPicPr>
+          <p:cNvPr id="4" name="Picture 3" descr="Rplot.png"/>
+          <p:cNvPicPr>
+            <a:picLocks noChangeAspect="1"/>
+          </p:cNvPicPr>
+          <p:nvPr/>
+        </p:nvPicPr>
+        <p:blipFill>
+          <a:blip r:embed="rId2">
+            <a:extLst>
+              <a:ext uri="{28A0092B-C50C-407E-A947-70E740481C1C}">
+                <a14:useLocalDpi xmlns:a14="http://schemas.microsoft.com/office/drawing/2010/main" val="0"/>
+              </a:ext>
+            </a:extLst>
+          </a:blip>
+          <a:stretch>
+            <a:fillRect/>
+          </a:stretch>
+        </p:blipFill>
+        <p:spPr>
+          <a:xfrm>
+            <a:off x="1219200" y="1550866"/>
+            <a:ext cx="6705600" cy="4673600"/>
+          </a:xfrm>
+          <a:prstGeom prst="rect">
+            <a:avLst/>
+          </a:prstGeom>
+        </p:spPr>
+      </p:pic>
+      <p:cxnSp>
+        <p:nvCxnSpPr>
+          <p:cNvPr id="7" name="Straight Connector 6"/>
+          <p:cNvCxnSpPr/>
+          <p:nvPr/>
+        </p:nvCxnSpPr>
+        <p:spPr>
+          <a:xfrm flipV="1">
+            <a:off x="5874033" y="5186501"/>
+            <a:ext cx="846708" cy="670364"/>
+          </a:xfrm>
+          <a:prstGeom prst="line">
+            <a:avLst/>
+          </a:prstGeom>
+          <a:ln>
+            <a:solidFill>
+              <a:srgbClr val="FF0000"/>
+            </a:solidFill>
+          </a:ln>
+        </p:spPr>
+        <p:style>
+          <a:lnRef idx="2">
+            <a:schemeClr val="accent1"/>
+          </a:lnRef>
+          <a:fillRef idx="0">
+            <a:schemeClr val="accent1"/>
+          </a:fillRef>
+          <a:effectRef idx="1">
+            <a:schemeClr val="accent1"/>
+          </a:effectRef>
+          <a:fontRef idx="minor">
+            <a:schemeClr val="tx1"/>
+          </a:fontRef>
+        </p:style>
+      </p:cxnSp>
+      <p:sp>
+        <p:nvSpPr>
+          <p:cNvPr id="8" name="TextBox 7"/>
+          <p:cNvSpPr txBox="1"/>
+          <p:nvPr/>
+        </p:nvSpPr>
+        <p:spPr>
+          <a:xfrm>
+            <a:off x="6156269" y="5574608"/>
+            <a:ext cx="1958011" cy="430887"/>
+          </a:xfrm>
+          <a:prstGeom prst="rect">
+            <a:avLst/>
+          </a:prstGeom>
+          <a:noFill/>
+        </p:spPr>
+        <p:txBody>
+          <a:bodyPr wrap="square" rtlCol="0">
+            <a:spAutoFit/>
+          </a:bodyPr>
+          <a:lstStyle/>
+          <a:p>
+            <a:r>
+              <a:rPr lang="en-US" sz="2200" b="1" dirty="0" err="1" smtClean="0">
+                <a:solidFill>
+                  <a:srgbClr val="FF0000"/>
+                </a:solidFill>
+              </a:rPr>
+              <a:t>DIsplacement</a:t>
+            </a:r>
+            <a:endParaRPr lang="en-US" sz="2200" b="1" dirty="0">
+              <a:solidFill>
+                <a:srgbClr val="FF0000"/>
+              </a:solidFill>
+            </a:endParaRPr>
+          </a:p>
+        </p:txBody>
+      </p:sp>
+      <p:cxnSp>
+        <p:nvCxnSpPr>
+          <p:cNvPr id="22" name="Straight Connector 21"/>
+          <p:cNvCxnSpPr/>
+          <p:nvPr/>
+        </p:nvCxnSpPr>
+        <p:spPr>
+          <a:xfrm flipH="1" flipV="1">
+            <a:off x="3968941" y="5186501"/>
+            <a:ext cx="1905092" cy="670364"/>
+          </a:xfrm>
+          <a:prstGeom prst="line">
+            <a:avLst/>
+          </a:prstGeom>
+          <a:ln>
+            <a:solidFill>
+              <a:srgbClr val="000000"/>
+            </a:solidFill>
+          </a:ln>
+        </p:spPr>
+        <p:style>
+          <a:lnRef idx="2">
+            <a:schemeClr val="accent1"/>
+          </a:lnRef>
+          <a:fillRef idx="0">
+            <a:schemeClr val="accent1"/>
+          </a:fillRef>
+          <a:effectRef idx="1">
+            <a:schemeClr val="accent1"/>
+          </a:effectRef>
+          <a:fontRef idx="minor">
+            <a:schemeClr val="tx1"/>
+          </a:fontRef>
+        </p:style>
+      </p:cxnSp>
+      <p:cxnSp>
+        <p:nvCxnSpPr>
+          <p:cNvPr id="24" name="Straight Connector 23"/>
+          <p:cNvCxnSpPr/>
+          <p:nvPr/>
+        </p:nvCxnSpPr>
+        <p:spPr>
+          <a:xfrm flipV="1">
+            <a:off x="3968941" y="2099298"/>
+            <a:ext cx="1217142" cy="3087204"/>
+          </a:xfrm>
+          <a:prstGeom prst="line">
+            <a:avLst/>
+          </a:prstGeom>
+          <a:ln>
+            <a:solidFill>
+              <a:srgbClr val="000000"/>
+            </a:solidFill>
+          </a:ln>
+        </p:spPr>
+        <p:style>
+          <a:lnRef idx="2">
+            <a:schemeClr val="accent1"/>
+          </a:lnRef>
+          <a:fillRef idx="0">
+            <a:schemeClr val="accent1"/>
+          </a:fillRef>
+          <a:effectRef idx="1">
+            <a:schemeClr val="accent1"/>
+          </a:effectRef>
+          <a:fontRef idx="minor">
+            <a:schemeClr val="tx1"/>
+          </a:fontRef>
+        </p:style>
+      </p:cxnSp>
+      <p:cxnSp>
+        <p:nvCxnSpPr>
+          <p:cNvPr id="27" name="Straight Connector 26"/>
+          <p:cNvCxnSpPr/>
+          <p:nvPr/>
+        </p:nvCxnSpPr>
+        <p:spPr>
+          <a:xfrm>
+            <a:off x="5186083" y="2099298"/>
+            <a:ext cx="1358260" cy="846775"/>
+          </a:xfrm>
+          <a:prstGeom prst="line">
+            <a:avLst/>
+          </a:prstGeom>
+          <a:ln>
+            <a:solidFill>
+              <a:srgbClr val="000000"/>
+            </a:solidFill>
+          </a:ln>
+        </p:spPr>
+        <p:style>
+          <a:lnRef idx="2">
+            <a:schemeClr val="accent1"/>
+          </a:lnRef>
+          <a:fillRef idx="0">
+            <a:schemeClr val="accent1"/>
+          </a:fillRef>
+          <a:effectRef idx="1">
+            <a:schemeClr val="accent1"/>
+          </a:effectRef>
+          <a:fontRef idx="minor">
+            <a:schemeClr val="tx1"/>
+          </a:fontRef>
+        </p:style>
+      </p:cxnSp>
+      <p:cxnSp>
+        <p:nvCxnSpPr>
+          <p:cNvPr id="29" name="Straight Connector 28"/>
+          <p:cNvCxnSpPr/>
+          <p:nvPr/>
+        </p:nvCxnSpPr>
+        <p:spPr>
+          <a:xfrm>
+            <a:off x="6544343" y="2946073"/>
+            <a:ext cx="176398" cy="2240428"/>
+          </a:xfrm>
+          <a:prstGeom prst="line">
+            <a:avLst/>
+          </a:prstGeom>
+          <a:ln>
+            <a:solidFill>
+              <a:srgbClr val="000000"/>
+            </a:solidFill>
+          </a:ln>
+        </p:spPr>
+        <p:style>
+          <a:lnRef idx="2">
+            <a:schemeClr val="accent1"/>
+          </a:lnRef>
+          <a:fillRef idx="0">
+            <a:schemeClr val="accent1"/>
+          </a:fillRef>
+          <a:effectRef idx="1">
+            <a:schemeClr val="accent1"/>
+          </a:effectRef>
+          <a:fontRef idx="minor">
+            <a:schemeClr val="tx1"/>
+          </a:fontRef>
+        </p:style>
+      </p:cxnSp>
+      <p:sp>
+        <p:nvSpPr>
+          <p:cNvPr id="31" name="TextBox 30"/>
+          <p:cNvSpPr txBox="1"/>
+          <p:nvPr/>
+        </p:nvSpPr>
+        <p:spPr>
+          <a:xfrm>
+            <a:off x="3228072" y="2946073"/>
+            <a:ext cx="1340621" cy="430887"/>
+          </a:xfrm>
+          <a:prstGeom prst="rect">
+            <a:avLst/>
+          </a:prstGeom>
+          <a:noFill/>
+        </p:spPr>
+        <p:txBody>
+          <a:bodyPr wrap="square" rtlCol="0">
+            <a:spAutoFit/>
+          </a:bodyPr>
+          <a:lstStyle/>
+          <a:p>
+            <a:r>
+              <a:rPr lang="en-US" sz="2200" b="1" dirty="0" smtClean="0"/>
+              <a:t>Distance</a:t>
+            </a:r>
+            <a:endParaRPr lang="en-US" sz="2200" b="1" dirty="0"/>
+          </a:p>
+        </p:txBody>
+      </p:sp>
+      <p:sp>
+        <p:nvSpPr>
+          <p:cNvPr id="32" name="Slide Number Placeholder 31"/>
+          <p:cNvSpPr>
+            <a:spLocks noGrp="1"/>
+          </p:cNvSpPr>
+          <p:nvPr>
+            <p:ph type="sldNum" sz="quarter" idx="12"/>
           </p:nvPr>
         </p:nvSpPr>
         <p:spPr/>
@@ -3492,6 +4737,10 @@
           <a:bodyPr/>
           <a:lstStyle/>
           <a:p>
+            <a:fld id="{1A2E43FF-E6FA-5349-9CFE-D91336EA9137}" type="slidenum">
+              <a:rPr lang="en-US" smtClean="0"/>
+              <a:t>5</a:t>
+            </a:fld>
             <a:endParaRPr lang="en-US"/>
           </a:p>
         </p:txBody>
@@ -3499,7 +4748,7 @@
     </p:spTree>
     <p:extLst>
       <p:ext uri="{BB962C8B-B14F-4D97-AF65-F5344CB8AC3E}">
-        <p14:creationId xmlns:p14="http://schemas.microsoft.com/office/powerpoint/2010/main" val="153320758"/>
+        <p14:creationId xmlns:p14="http://schemas.microsoft.com/office/powerpoint/2010/main" val="1705327611"/>
       </p:ext>
     </p:extLst>
   </p:cSld>
@@ -3526,14 +4775,44 @@
           <a:chExt cx="0" cy="0"/>
         </a:xfrm>
       </p:grpSpPr>
-      <p:sp>
-        <p:nvSpPr>
-          <p:cNvPr id="2" name="Title 1"/>
-          <p:cNvSpPr>
-            <a:spLocks noGrp="1"/>
-          </p:cNvSpPr>
-          <p:nvPr>
-            <p:ph type="title"/>
+      <p:pic>
+        <p:nvPicPr>
+          <p:cNvPr id="4" name="Picture 3" descr="Zero_Velocity.png"/>
+          <p:cNvPicPr>
+            <a:picLocks noChangeAspect="1"/>
+          </p:cNvPicPr>
+          <p:nvPr/>
+        </p:nvPicPr>
+        <p:blipFill>
+          <a:blip r:embed="rId2">
+            <a:extLst>
+              <a:ext uri="{28A0092B-C50C-407E-A947-70E740481C1C}">
+                <a14:useLocalDpi xmlns:a14="http://schemas.microsoft.com/office/drawing/2010/main" val="0"/>
+              </a:ext>
+            </a:extLst>
+          </a:blip>
+          <a:stretch>
+            <a:fillRect/>
+          </a:stretch>
+        </p:blipFill>
+        <p:spPr>
+          <a:xfrm>
+            <a:off x="-5551" y="352822"/>
+            <a:ext cx="8970767" cy="6262611"/>
+          </a:xfrm>
+          <a:prstGeom prst="rect">
+            <a:avLst/>
+          </a:prstGeom>
+        </p:spPr>
+      </p:pic>
+      <p:sp>
+        <p:nvSpPr>
+          <p:cNvPr id="6" name="Slide Number Placeholder 5"/>
+          <p:cNvSpPr>
+            <a:spLocks noGrp="1"/>
+          </p:cNvSpPr>
+          <p:nvPr>
+            <p:ph type="sldNum" sz="quarter" idx="12"/>
           </p:nvPr>
         </p:nvSpPr>
         <p:spPr/>
@@ -3541,29 +4820,10 @@
           <a:bodyPr/>
           <a:lstStyle/>
           <a:p>
-            <a:r>
-              <a:rPr lang="en-US" dirty="0" smtClean="0"/>
-              <a:t>Time of Day</a:t>
-            </a:r>
-            <a:endParaRPr lang="en-US" dirty="0"/>
-          </a:p>
-        </p:txBody>
-      </p:sp>
-      <p:sp>
-        <p:nvSpPr>
-          <p:cNvPr id="3" name="Content Placeholder 2"/>
-          <p:cNvSpPr>
-            <a:spLocks noGrp="1"/>
-          </p:cNvSpPr>
-          <p:nvPr>
-            <p:ph idx="1"/>
-          </p:nvPr>
-        </p:nvSpPr>
-        <p:spPr/>
-        <p:txBody>
-          <a:bodyPr/>
-          <a:lstStyle/>
-          <a:p>
+            <a:fld id="{1A2E43FF-E6FA-5349-9CFE-D91336EA9137}" type="slidenum">
+              <a:rPr lang="en-US" smtClean="0"/>
+              <a:t>6</a:t>
+            </a:fld>
             <a:endParaRPr lang="en-US"/>
           </a:p>
         </p:txBody>
@@ -3598,14 +4858,44 @@
           <a:chExt cx="0" cy="0"/>
         </a:xfrm>
       </p:grpSpPr>
-      <p:sp>
-        <p:nvSpPr>
-          <p:cNvPr id="2" name="Title 1"/>
-          <p:cNvSpPr>
-            <a:spLocks noGrp="1"/>
-          </p:cNvSpPr>
-          <p:nvPr>
-            <p:ph type="title"/>
+      <p:pic>
+        <p:nvPicPr>
+          <p:cNvPr id="6" name="Picture 5" descr="UserType_hist.png"/>
+          <p:cNvPicPr>
+            <a:picLocks noChangeAspect="1"/>
+          </p:cNvPicPr>
+          <p:nvPr/>
+        </p:nvPicPr>
+        <p:blipFill>
+          <a:blip r:embed="rId2">
+            <a:extLst>
+              <a:ext uri="{28A0092B-C50C-407E-A947-70E740481C1C}">
+                <a14:useLocalDpi xmlns:a14="http://schemas.microsoft.com/office/drawing/2010/main" val="0"/>
+              </a:ext>
+            </a:extLst>
+          </a:blip>
+          <a:stretch>
+            <a:fillRect/>
+          </a:stretch>
+        </p:blipFill>
+        <p:spPr>
+          <a:xfrm>
+            <a:off x="65949" y="521526"/>
+            <a:ext cx="9076569" cy="6336473"/>
+          </a:xfrm>
+          <a:prstGeom prst="rect">
+            <a:avLst/>
+          </a:prstGeom>
+        </p:spPr>
+      </p:pic>
+      <p:sp>
+        <p:nvSpPr>
+          <p:cNvPr id="7" name="Slide Number Placeholder 6"/>
+          <p:cNvSpPr>
+            <a:spLocks noGrp="1"/>
+          </p:cNvSpPr>
+          <p:nvPr>
+            <p:ph type="sldNum" sz="quarter" idx="12"/>
           </p:nvPr>
         </p:nvSpPr>
         <p:spPr/>
@@ -3613,30 +4903,11 @@
           <a:bodyPr/>
           <a:lstStyle/>
           <a:p>
-            <a:r>
-              <a:rPr lang="en-US" dirty="0" smtClean="0"/>
-              <a:t>Gender</a:t>
-            </a:r>
-            <a:endParaRPr lang="en-US" dirty="0"/>
-          </a:p>
-        </p:txBody>
-      </p:sp>
-      <p:sp>
-        <p:nvSpPr>
-          <p:cNvPr id="3" name="Content Placeholder 2"/>
-          <p:cNvSpPr>
-            <a:spLocks noGrp="1"/>
-          </p:cNvSpPr>
-          <p:nvPr>
-            <p:ph idx="1"/>
-          </p:nvPr>
-        </p:nvSpPr>
-        <p:spPr/>
-        <p:txBody>
-          <a:bodyPr/>
-          <a:lstStyle/>
-          <a:p>
-            <a:endParaRPr lang="en-US" dirty="0"/>
+            <a:fld id="{1A2E43FF-E6FA-5349-9CFE-D91336EA9137}" type="slidenum">
+              <a:rPr lang="en-US" smtClean="0"/>
+              <a:t>7</a:t>
+            </a:fld>
+            <a:endParaRPr lang="en-US"/>
           </a:p>
         </p:txBody>
       </p:sp>
@@ -3670,6 +4941,89 @@
           <a:chExt cx="0" cy="0"/>
         </a:xfrm>
       </p:grpSpPr>
+      <p:pic>
+        <p:nvPicPr>
+          <p:cNvPr id="4" name="Picture 3" descr="Per_Day.png"/>
+          <p:cNvPicPr>
+            <a:picLocks noChangeAspect="1"/>
+          </p:cNvPicPr>
+          <p:nvPr/>
+        </p:nvPicPr>
+        <p:blipFill>
+          <a:blip r:embed="rId2">
+            <a:extLst>
+              <a:ext uri="{28A0092B-C50C-407E-A947-70E740481C1C}">
+                <a14:useLocalDpi xmlns:a14="http://schemas.microsoft.com/office/drawing/2010/main" val="0"/>
+              </a:ext>
+            </a:extLst>
+          </a:blip>
+          <a:stretch>
+            <a:fillRect/>
+          </a:stretch>
+        </p:blipFill>
+        <p:spPr>
+          <a:xfrm>
+            <a:off x="-17966" y="0"/>
+            <a:ext cx="9190903" cy="6858001"/>
+          </a:xfrm>
+          <a:prstGeom prst="rect">
+            <a:avLst/>
+          </a:prstGeom>
+        </p:spPr>
+      </p:pic>
+      <p:sp>
+        <p:nvSpPr>
+          <p:cNvPr id="5" name="Slide Number Placeholder 4"/>
+          <p:cNvSpPr>
+            <a:spLocks noGrp="1"/>
+          </p:cNvSpPr>
+          <p:nvPr>
+            <p:ph type="sldNum" sz="quarter" idx="12"/>
+          </p:nvPr>
+        </p:nvSpPr>
+        <p:spPr/>
+        <p:txBody>
+          <a:bodyPr/>
+          <a:lstStyle/>
+          <a:p>
+            <a:fld id="{1A2E43FF-E6FA-5349-9CFE-D91336EA9137}" type="slidenum">
+              <a:rPr lang="en-US" smtClean="0"/>
+              <a:t>8</a:t>
+            </a:fld>
+            <a:endParaRPr lang="en-US"/>
+          </a:p>
+        </p:txBody>
+      </p:sp>
+    </p:spTree>
+    <p:extLst>
+      <p:ext uri="{BB962C8B-B14F-4D97-AF65-F5344CB8AC3E}">
+        <p14:creationId xmlns:p14="http://schemas.microsoft.com/office/powerpoint/2010/main" val="3679490123"/>
+      </p:ext>
+    </p:extLst>
+  </p:cSld>
+  <p:clrMapOvr>
+    <a:masterClrMapping/>
+  </p:clrMapOvr>
+</p:sld>
+</file>
+
+<file path=ppt/slides/slide9.xml><?xml version="1.0" encoding="utf-8"?>
+<p:sld xmlns:a="http://schemas.openxmlformats.org/drawingml/2006/main" xmlns:r="http://schemas.openxmlformats.org/officeDocument/2006/relationships" xmlns:p="http://schemas.openxmlformats.org/presentationml/2006/main">
+  <p:cSld>
+    <p:spTree>
+      <p:nvGrpSpPr>
+        <p:cNvPr id="1" name=""/>
+        <p:cNvGrpSpPr/>
+        <p:nvPr/>
+      </p:nvGrpSpPr>
+      <p:grpSpPr>
+        <a:xfrm>
+          <a:off x="0" y="0"/>
+          <a:ext cx="0" cy="0"/>
+          <a:chOff x="0" y="0"/>
+          <a:chExt cx="0" cy="0"/>
+        </a:xfrm>
+      </p:grpSpPr>
       <p:sp>
         <p:nvSpPr>
           <p:cNvPr id="2" name="Title 1"/>
@@ -3686,21 +5040,120 @@
           <a:lstStyle/>
           <a:p>
             <a:r>
-              <a:rPr lang="en-US" dirty="0" smtClean="0"/>
-              <a:t>What Else Can be Uncovered</a:t>
-            </a:r>
+              <a:rPr lang="en-US" dirty="0" smtClean="0">
+                <a:solidFill>
+                  <a:srgbClr val="000090"/>
+                </a:solidFill>
+              </a:rPr>
+              <a:t>Further Analysis</a:t>
+            </a:r>
+            <a:endParaRPr lang="en-US" dirty="0">
+              <a:solidFill>
+                <a:srgbClr val="000090"/>
+              </a:solidFill>
+            </a:endParaRPr>
+          </a:p>
+        </p:txBody>
+      </p:sp>
+      <p:sp>
+        <p:nvSpPr>
+          <p:cNvPr id="3" name="Content Placeholder 2"/>
+          <p:cNvSpPr>
+            <a:spLocks noGrp="1"/>
+          </p:cNvSpPr>
+          <p:nvPr>
+            <p:ph idx="1"/>
+          </p:nvPr>
+        </p:nvSpPr>
+        <p:spPr/>
+        <p:txBody>
+          <a:bodyPr/>
+          <a:lstStyle/>
+          <a:p>
+            <a:r>
+              <a:rPr lang="en-US" dirty="0" smtClean="0">
+                <a:solidFill>
+                  <a:srgbClr val="000090"/>
+                </a:solidFill>
+              </a:rPr>
+              <a:t>How velocity is different throughout the </a:t>
+            </a:r>
+            <a:r>
+              <a:rPr lang="en-US" dirty="0" smtClean="0">
+                <a:solidFill>
+                  <a:srgbClr val="000090"/>
+                </a:solidFill>
+              </a:rPr>
+              <a:t>year/seasons?</a:t>
+            </a:r>
+            <a:endParaRPr lang="en-US" dirty="0" smtClean="0">
+              <a:solidFill>
+                <a:srgbClr val="000090"/>
+              </a:solidFill>
+            </a:endParaRPr>
+          </a:p>
+          <a:p>
+            <a:r>
+              <a:rPr lang="en-US" dirty="0" smtClean="0">
+                <a:solidFill>
+                  <a:srgbClr val="000090"/>
+                </a:solidFill>
+              </a:rPr>
+              <a:t>How traffic plays a role in the velocity of bikes?</a:t>
+            </a:r>
+          </a:p>
+          <a:p>
+            <a:r>
+              <a:rPr lang="en-US" dirty="0" smtClean="0">
+                <a:solidFill>
+                  <a:srgbClr val="000090"/>
+                </a:solidFill>
+              </a:rPr>
+              <a:t>Does bike lanes help with the velocity</a:t>
+            </a:r>
+            <a:r>
+              <a:rPr lang="en-US" dirty="0" smtClean="0">
+                <a:solidFill>
+                  <a:srgbClr val="000090"/>
+                </a:solidFill>
+              </a:rPr>
+              <a:t>?</a:t>
+            </a:r>
+          </a:p>
+          <a:p>
+            <a:r>
+              <a:rPr lang="en-US" dirty="0" smtClean="0">
+                <a:solidFill>
+                  <a:srgbClr val="000090"/>
+                </a:solidFill>
+              </a:rPr>
+              <a:t>What causes velocity to change?</a:t>
+            </a:r>
+            <a:endParaRPr lang="en-US" dirty="0" smtClean="0">
+              <a:solidFill>
+                <a:srgbClr val="000090"/>
+              </a:solidFill>
+            </a:endParaRPr>
+          </a:p>
+          <a:p>
+            <a:pPr marL="0" indent="0">
+              <a:buNone/>
+            </a:pPr>
+            <a:endParaRPr lang="en-US" dirty="0" smtClean="0"/>
+          </a:p>
+          <a:p>
             <a:endParaRPr lang="en-US" dirty="0"/>
           </a:p>
         </p:txBody>
       </p:sp>
       <p:sp>
         <p:nvSpPr>
-          <p:cNvPr id="3" name="Content Placeholder 2"/>
-          <p:cNvSpPr>
-            <a:spLocks noGrp="1"/>
-          </p:cNvSpPr>
-          <p:nvPr>
-            <p:ph idx="1"/>
+          <p:cNvPr id="4" name="Slide Number Placeholder 3"/>
+          <p:cNvSpPr>
+            <a:spLocks noGrp="1"/>
+          </p:cNvSpPr>
+          <p:nvPr>
+            <p:ph type="sldNum" sz="quarter" idx="12"/>
           </p:nvPr>
         </p:nvSpPr>
         <p:spPr/>
@@ -3708,30 +5161,11 @@
           <a:bodyPr/>
           <a:lstStyle/>
           <a:p>
-            <a:r>
-              <a:rPr lang="en-US" dirty="0" smtClean="0"/>
-              <a:t>How velocity is different throughout the year?</a:t>
-            </a:r>
-          </a:p>
-          <a:p>
-            <a:r>
-              <a:rPr lang="en-US" dirty="0" smtClean="0"/>
-              <a:t>How traffic plays a role in the velocity of bikes?</a:t>
-            </a:r>
-          </a:p>
-          <a:p>
-            <a:r>
-              <a:rPr lang="en-US" dirty="0" smtClean="0"/>
-              <a:t>Does bike lanes help with </a:t>
-            </a:r>
-            <a:r>
-              <a:rPr lang="en-US" smtClean="0"/>
-              <a:t>the velocity?</a:t>
-            </a:r>
-            <a:endParaRPr lang="en-US" dirty="0" smtClean="0"/>
-          </a:p>
-          <a:p>
-            <a:endParaRPr lang="en-US" dirty="0"/>
+            <a:fld id="{1A2E43FF-E6FA-5349-9CFE-D91336EA9137}" type="slidenum">
+              <a:rPr lang="en-US" smtClean="0"/>
+              <a:t>9</a:t>
+            </a:fld>
+            <a:endParaRPr lang="en-US"/>
           </a:p>
         </p:txBody>
       </p:sp>
@@ -4066,4 +5500,644 @@
   </a:objectDefaults>
   <a:extraClrSchemeLst/>
 </a:theme>
+</file>
+
+<file path=ppt/theme/theme2.xml><?xml version="1.0" encoding="utf-8"?>
+<a:theme xmlns:a="http://schemas.openxmlformats.org/drawingml/2006/main" name="Office Theme">
+  <a:themeElements>
+    <a:clrScheme name="Office">
+      <a:dk1>
+        <a:sysClr val="windowText" lastClr="000000"/>
+      </a:dk1>
+      <a:lt1>
+        <a:sysClr val="window" lastClr="FFFFFF"/>
+      </a:lt1>
+      <a:dk2>
+        <a:srgbClr val="1F497D"/>
+      </a:dk2>
+      <a:lt2>
+        <a:srgbClr val="EEECE1"/>
+      </a:lt2>
+      <a:accent1>
+        <a:srgbClr val="4F81BD"/>
+      </a:accent1>
+      <a:accent2>
+        <a:srgbClr val="C0504D"/>
+      </a:accent2>
+      <a:accent3>
+        <a:srgbClr val="9BBB59"/>
+      </a:accent3>
+      <a:accent4>
+        <a:srgbClr val="8064A2"/>
+      </a:accent4>
+      <a:accent5>
+        <a:srgbClr val="4BACC6"/>
+      </a:accent5>
+      <a:accent6>
+        <a:srgbClr val="F79646"/>
+      </a:accent6>
+      <a:hlink>
+        <a:srgbClr val="0000FF"/>
+      </a:hlink>
+      <a:folHlink>
+        <a:srgbClr val="800080"/>
+      </a:folHlink>
+    </a:clrScheme>
+    <a:fontScheme name="Office">
+      <a:majorFont>
+        <a:latin typeface="Calibri"/>
+        <a:ea typeface=""/>
+        <a:cs typeface=""/>
+        <a:font script="Jpan" typeface="ＭＳ Ｐゴシック"/>
+        <a:font script="Hang" typeface="맑은 고딕"/>
+        <a:font script="Hans" typeface="宋体"/>
+        <a:font script="Hant" typeface="新細明體"/>
+        <a:font script="Arab" typeface="Times New Roman"/>
+        <a:font script="Hebr" typeface="Times New Roman"/>
+        <a:font script="Thai" typeface="Angsana New"/>
+        <a:font script="Ethi" typeface="Nyala"/>
+        <a:font script="Beng" typeface="Vrinda"/>
+        <a:font script="Gujr" typeface="Shruti"/>
+        <a:font script="Khmr" typeface="MoolBoran"/>
+        <a:font script="Knda" typeface="Tunga"/>
+        <a:font script="Guru" typeface="Raavi"/>
+        <a:font script="Cans" typeface="Euphemia"/>
+        <a:font script="Cher" typeface="Plantagenet Cherokee"/>
+        <a:font script="Yiii" typeface="Microsoft Yi Baiti"/>
+        <a:font script="Tibt" typeface="Microsoft Himalaya"/>
+        <a:font script="Thaa" typeface="MV Boli"/>
+        <a:font script="Deva" typeface="Mangal"/>
+        <a:font script="Telu" typeface="Gautami"/>
+        <a:font script="Taml" typeface="Latha"/>
+        <a:font script="Syrc" typeface="Estrangelo Edessa"/>
+        <a:font script="Orya" typeface="Kalinga"/>
+        <a:font script="Mlym" typeface="Kartika"/>
+        <a:font script="Laoo" typeface="DokChampa"/>
+        <a:font script="Sinh" typeface="Iskoola Pota"/>
+        <a:font script="Mong" typeface="Mongolian Baiti"/>
+        <a:font script="Viet" typeface="Times New Roman"/>
+        <a:font script="Uigh" typeface="Microsoft Uighur"/>
+        <a:font script="Geor" typeface="Sylfaen"/>
+      </a:majorFont>
+      <a:minorFont>
+        <a:latin typeface="Calibri"/>
+        <a:ea typeface=""/>
+        <a:cs typeface=""/>
+        <a:font script="Jpan" typeface="ＭＳ Ｐゴシック"/>
+        <a:font script="Hang" typeface="맑은 고딕"/>
+        <a:font script="Hans" typeface="宋体"/>
+        <a:font script="Hant" typeface="新細明體"/>
+        <a:font script="Arab" typeface="Arial"/>
+        <a:font script="Hebr" typeface="Arial"/>
+        <a:font script="Thai" typeface="Cordia New"/>
+        <a:font script="Ethi" typeface="Nyala"/>
+        <a:font script="Beng" typeface="Vrinda"/>
+        <a:font script="Gujr" typeface="Shruti"/>
+        <a:font script="Khmr" typeface="DaunPenh"/>
+        <a:font script="Knda" typeface="Tunga"/>
+        <a:font script="Guru" typeface="Raavi"/>
+        <a:font script="Cans" typeface="Euphemia"/>
+        <a:font script="Cher" typeface="Plantagenet Cherokee"/>
+        <a:font script="Yiii" typeface="Microsoft Yi Baiti"/>
+        <a:font script="Tibt" typeface="Microsoft Himalaya"/>
+        <a:font script="Thaa" typeface="MV Boli"/>
+        <a:font script="Deva" typeface="Mangal"/>
+        <a:font script="Telu" typeface="Gautami"/>
+        <a:font script="Taml" typeface="Latha"/>
+        <a:font script="Syrc" typeface="Estrangelo Edessa"/>
+        <a:font script="Orya" typeface="Kalinga"/>
+        <a:font script="Mlym" typeface="Kartika"/>
+        <a:font script="Laoo" typeface="DokChampa"/>
+        <a:font script="Sinh" typeface="Iskoola Pota"/>
+        <a:font script="Mong" typeface="Mongolian Baiti"/>
+        <a:font script="Viet" typeface="Arial"/>
+        <a:font script="Uigh" typeface="Microsoft Uighur"/>
+        <a:font script="Geor" typeface="Sylfaen"/>
+      </a:minorFont>
+    </a:fontScheme>
+    <a:fmtScheme name="Office">
+      <a:fillStyleLst>
+        <a:solidFill>
+          <a:schemeClr val="phClr"/>
+        </a:solidFill>
+        <a:gradFill rotWithShape="1">
+          <a:gsLst>
+            <a:gs pos="0">
+              <a:schemeClr val="phClr">
+                <a:tint val="50000"/>
+                <a:satMod val="300000"/>
+              </a:schemeClr>
+            </a:gs>
+            <a:gs pos="35000">
+              <a:schemeClr val="phClr">
+                <a:tint val="37000"/>
+                <a:satMod val="300000"/>
+              </a:schemeClr>
+            </a:gs>
+            <a:gs pos="100000">
+              <a:schemeClr val="phClr">
+                <a:tint val="15000"/>
+                <a:satMod val="350000"/>
+              </a:schemeClr>
+            </a:gs>
+          </a:gsLst>
+          <a:lin ang="16200000" scaled="1"/>
+        </a:gradFill>
+        <a:gradFill rotWithShape="1">
+          <a:gsLst>
+            <a:gs pos="0">
+              <a:schemeClr val="phClr">
+                <a:tint val="100000"/>
+                <a:shade val="100000"/>
+                <a:satMod val="130000"/>
+              </a:schemeClr>
+            </a:gs>
+            <a:gs pos="100000">
+              <a:schemeClr val="phClr">
+                <a:tint val="50000"/>
+                <a:shade val="100000"/>
+                <a:satMod val="350000"/>
+              </a:schemeClr>
+            </a:gs>
+          </a:gsLst>
+          <a:lin ang="16200000" scaled="0"/>
+        </a:gradFill>
+      </a:fillStyleLst>
+      <a:lnStyleLst>
+        <a:ln w="9525" cap="flat" cmpd="sng" algn="ctr">
+          <a:solidFill>
+            <a:schemeClr val="phClr">
+              <a:shade val="95000"/>
+              <a:satMod val="105000"/>
+            </a:schemeClr>
+          </a:solidFill>
+          <a:prstDash val="solid"/>
+        </a:ln>
+        <a:ln w="25400" cap="flat" cmpd="sng" algn="ctr">
+          <a:solidFill>
+            <a:schemeClr val="phClr"/>
+          </a:solidFill>
+          <a:prstDash val="solid"/>
+        </a:ln>
+        <a:ln w="38100" cap="flat" cmpd="sng" algn="ctr">
+          <a:solidFill>
+            <a:schemeClr val="phClr"/>
+          </a:solidFill>
+          <a:prstDash val="solid"/>
+        </a:ln>
+      </a:lnStyleLst>
+      <a:effectStyleLst>
+        <a:effectStyle>
+          <a:effectLst>
+            <a:outerShdw blurRad="40000" dist="20000" dir="5400000" rotWithShape="0">
+              <a:srgbClr val="000000">
+                <a:alpha val="38000"/>
+              </a:srgbClr>
+            </a:outerShdw>
+          </a:effectLst>
+        </a:effectStyle>
+        <a:effectStyle>
+          <a:effectLst>
+            <a:outerShdw blurRad="40000" dist="23000" dir="5400000" rotWithShape="0">
+              <a:srgbClr val="000000">
+                <a:alpha val="35000"/>
+              </a:srgbClr>
+            </a:outerShdw>
+          </a:effectLst>
+        </a:effectStyle>
+        <a:effectStyle>
+          <a:effectLst>
+            <a:outerShdw blurRad="40000" dist="23000" dir="5400000" rotWithShape="0">
+              <a:srgbClr val="000000">
+                <a:alpha val="35000"/>
+              </a:srgbClr>
+            </a:outerShdw>
+          </a:effectLst>
+          <a:scene3d>
+            <a:camera prst="orthographicFront">
+              <a:rot lat="0" lon="0" rev="0"/>
+            </a:camera>
+            <a:lightRig rig="threePt" dir="t">
+              <a:rot lat="0" lon="0" rev="1200000"/>
+            </a:lightRig>
+          </a:scene3d>
+          <a:sp3d>
+            <a:bevelT w="63500" h="25400"/>
+          </a:sp3d>
+        </a:effectStyle>
+      </a:effectStyleLst>
+      <a:bgFillStyleLst>
+        <a:solidFill>
+          <a:schemeClr val="phClr"/>
+        </a:solidFill>
+        <a:gradFill rotWithShape="1">
+          <a:gsLst>
+            <a:gs pos="0">
+              <a:schemeClr val="phClr">
+                <a:tint val="40000"/>
+                <a:satMod val="350000"/>
+              </a:schemeClr>
+            </a:gs>
+            <a:gs pos="40000">
+              <a:schemeClr val="phClr">
+                <a:tint val="45000"/>
+                <a:shade val="99000"/>
+                <a:satMod val="350000"/>
+              </a:schemeClr>
+            </a:gs>
+            <a:gs pos="100000">
+              <a:schemeClr val="phClr">
+                <a:shade val="20000"/>
+                <a:satMod val="255000"/>
+              </a:schemeClr>
+            </a:gs>
+          </a:gsLst>
+          <a:path path="circle">
+            <a:fillToRect l="50000" t="-80000" r="50000" b="180000"/>
+          </a:path>
+        </a:gradFill>
+        <a:gradFill rotWithShape="1">
+          <a:gsLst>
+            <a:gs pos="0">
+              <a:schemeClr val="phClr">
+                <a:tint val="80000"/>
+                <a:satMod val="300000"/>
+              </a:schemeClr>
+            </a:gs>
+            <a:gs pos="100000">
+              <a:schemeClr val="phClr">
+                <a:shade val="30000"/>
+                <a:satMod val="200000"/>
+              </a:schemeClr>
+            </a:gs>
+          </a:gsLst>
+          <a:path path="circle">
+            <a:fillToRect l="50000" t="50000" r="50000" b="50000"/>
+          </a:path>
+        </a:gradFill>
+      </a:bgFillStyleLst>
+    </a:fmtScheme>
+  </a:themeElements>
+  <a:objectDefaults>
+    <a:spDef>
+      <a:spPr/>
+      <a:bodyPr/>
+      <a:lstStyle/>
+      <a:style>
+        <a:lnRef idx="1">
+          <a:schemeClr val="accent1"/>
+        </a:lnRef>
+        <a:fillRef idx="3">
+          <a:schemeClr val="accent1"/>
+        </a:fillRef>
+        <a:effectRef idx="2">
+          <a:schemeClr val="accent1"/>
+        </a:effectRef>
+        <a:fontRef idx="minor">
+          <a:schemeClr val="lt1"/>
+        </a:fontRef>
+      </a:style>
+    </a:spDef>
+    <a:lnDef>
+      <a:spPr/>
+      <a:bodyPr/>
+      <a:lstStyle/>
+      <a:style>
+        <a:lnRef idx="2">
+          <a:schemeClr val="accent1"/>
+        </a:lnRef>
+        <a:fillRef idx="0">
+          <a:schemeClr val="accent1"/>
+        </a:fillRef>
+        <a:effectRef idx="1">
+          <a:schemeClr val="accent1"/>
+        </a:effectRef>
+        <a:fontRef idx="minor">
+          <a:schemeClr val="tx1"/>
+        </a:fontRef>
+      </a:style>
+    </a:lnDef>
+  </a:objectDefaults>
+  <a:extraClrSchemeLst/>
+</a:theme>
+</file>
+
+<file path=ppt/theme/theme3.xml><?xml version="1.0" encoding="utf-8"?>
+<a:theme xmlns:a="http://schemas.openxmlformats.org/drawingml/2006/main" name="Office Theme">
+  <a:themeElements>
+    <a:clrScheme name="Office">
+      <a:dk1>
+        <a:sysClr val="windowText" lastClr="000000"/>
+      </a:dk1>
+      <a:lt1>
+        <a:sysClr val="window" lastClr="FFFFFF"/>
+      </a:lt1>
+      <a:dk2>
+        <a:srgbClr val="1F497D"/>
+      </a:dk2>
+      <a:lt2>
+        <a:srgbClr val="EEECE1"/>
+      </a:lt2>
+      <a:accent1>
+        <a:srgbClr val="4F81BD"/>
+      </a:accent1>
+      <a:accent2>
+        <a:srgbClr val="C0504D"/>
+      </a:accent2>
+      <a:accent3>
+        <a:srgbClr val="9BBB59"/>
+      </a:accent3>
+      <a:accent4>
+        <a:srgbClr val="8064A2"/>
+      </a:accent4>
+      <a:accent5>
+        <a:srgbClr val="4BACC6"/>
+      </a:accent5>
+      <a:accent6>
+        <a:srgbClr val="F79646"/>
+      </a:accent6>
+      <a:hlink>
+        <a:srgbClr val="0000FF"/>
+      </a:hlink>
+      <a:folHlink>
+        <a:srgbClr val="800080"/>
+      </a:folHlink>
+    </a:clrScheme>
+    <a:fontScheme name="Office">
+      <a:majorFont>
+        <a:latin typeface="Calibri"/>
+        <a:ea typeface=""/>
+        <a:cs typeface=""/>
+        <a:font script="Jpan" typeface="ＭＳ Ｐゴシック"/>
+        <a:font script="Hang" typeface="맑은 고딕"/>
+        <a:font script="Hans" typeface="宋体"/>
+        <a:font script="Hant" typeface="新細明體"/>
+        <a:font script="Arab" typeface="Times New Roman"/>
+        <a:font script="Hebr" typeface="Times New Roman"/>
+        <a:font script="Thai" typeface="Angsana New"/>
+        <a:font script="Ethi" typeface="Nyala"/>
+        <a:font script="Beng" typeface="Vrinda"/>
+        <a:font script="Gujr" typeface="Shruti"/>
+        <a:font script="Khmr" typeface="MoolBoran"/>
+        <a:font script="Knda" typeface="Tunga"/>
+        <a:font script="Guru" typeface="Raavi"/>
+        <a:font script="Cans" typeface="Euphemia"/>
+        <a:font script="Cher" typeface="Plantagenet Cherokee"/>
+        <a:font script="Yiii" typeface="Microsoft Yi Baiti"/>
+        <a:font script="Tibt" typeface="Microsoft Himalaya"/>
+        <a:font script="Thaa" typeface="MV Boli"/>
+        <a:font script="Deva" typeface="Mangal"/>
+        <a:font script="Telu" typeface="Gautami"/>
+        <a:font script="Taml" typeface="Latha"/>
+        <a:font script="Syrc" typeface="Estrangelo Edessa"/>
+        <a:font script="Orya" typeface="Kalinga"/>
+        <a:font script="Mlym" typeface="Kartika"/>
+        <a:font script="Laoo" typeface="DokChampa"/>
+        <a:font script="Sinh" typeface="Iskoola Pota"/>
+        <a:font script="Mong" typeface="Mongolian Baiti"/>
+        <a:font script="Viet" typeface="Times New Roman"/>
+        <a:font script="Uigh" typeface="Microsoft Uighur"/>
+        <a:font script="Geor" typeface="Sylfaen"/>
+      </a:majorFont>
+      <a:minorFont>
+        <a:latin typeface="Calibri"/>
+        <a:ea typeface=""/>
+        <a:cs typeface=""/>
+        <a:font script="Jpan" typeface="ＭＳ Ｐゴシック"/>
+        <a:font script="Hang" typeface="맑은 고딕"/>
+        <a:font script="Hans" typeface="宋体"/>
+        <a:font script="Hant" typeface="新細明體"/>
+        <a:font script="Arab" typeface="Arial"/>
+        <a:font script="Hebr" typeface="Arial"/>
+        <a:font script="Thai" typeface="Cordia New"/>
+        <a:font script="Ethi" typeface="Nyala"/>
+        <a:font script="Beng" typeface="Vrinda"/>
+        <a:font script="Gujr" typeface="Shruti"/>
+        <a:font script="Khmr" typeface="DaunPenh"/>
+        <a:font script="Knda" typeface="Tunga"/>
+        <a:font script="Guru" typeface="Raavi"/>
+        <a:font script="Cans" typeface="Euphemia"/>
+        <a:font script="Cher" typeface="Plantagenet Cherokee"/>
+        <a:font script="Yiii" typeface="Microsoft Yi Baiti"/>
+        <a:font script="Tibt" typeface="Microsoft Himalaya"/>
+        <a:font script="Thaa" typeface="MV Boli"/>
+        <a:font script="Deva" typeface="Mangal"/>
+        <a:font script="Telu" typeface="Gautami"/>
+        <a:font script="Taml" typeface="Latha"/>
+        <a:font script="Syrc" typeface="Estrangelo Edessa"/>
+        <a:font script="Orya" typeface="Kalinga"/>
+        <a:font script="Mlym" typeface="Kartika"/>
+        <a:font script="Laoo" typeface="DokChampa"/>
+        <a:font script="Sinh" typeface="Iskoola Pota"/>
+        <a:font script="Mong" typeface="Mongolian Baiti"/>
+        <a:font script="Viet" typeface="Arial"/>
+        <a:font script="Uigh" typeface="Microsoft Uighur"/>
+        <a:font script="Geor" typeface="Sylfaen"/>
+      </a:minorFont>
+    </a:fontScheme>
+    <a:fmtScheme name="Office">
+      <a:fillStyleLst>
+        <a:solidFill>
+          <a:schemeClr val="phClr"/>
+        </a:solidFill>
+        <a:gradFill rotWithShape="1">
+          <a:gsLst>
+            <a:gs pos="0">
+              <a:schemeClr val="phClr">
+                <a:tint val="50000"/>
+                <a:satMod val="300000"/>
+              </a:schemeClr>
+            </a:gs>
+            <a:gs pos="35000">
+              <a:schemeClr val="phClr">
+                <a:tint val="37000"/>
+                <a:satMod val="300000"/>
+              </a:schemeClr>
+            </a:gs>
+            <a:gs pos="100000">
+              <a:schemeClr val="phClr">
+                <a:tint val="15000"/>
+                <a:satMod val="350000"/>
+              </a:schemeClr>
+            </a:gs>
+          </a:gsLst>
+          <a:lin ang="16200000" scaled="1"/>
+        </a:gradFill>
+        <a:gradFill rotWithShape="1">
+          <a:gsLst>
+            <a:gs pos="0">
+              <a:schemeClr val="phClr">
+                <a:tint val="100000"/>
+                <a:shade val="100000"/>
+                <a:satMod val="130000"/>
+              </a:schemeClr>
+            </a:gs>
+            <a:gs pos="100000">
+              <a:schemeClr val="phClr">
+                <a:tint val="50000"/>
+                <a:shade val="100000"/>
+                <a:satMod val="350000"/>
+              </a:schemeClr>
+            </a:gs>
+          </a:gsLst>
+          <a:lin ang="16200000" scaled="0"/>
+        </a:gradFill>
+      </a:fillStyleLst>
+      <a:lnStyleLst>
+        <a:ln w="9525" cap="flat" cmpd="sng" algn="ctr">
+          <a:solidFill>
+            <a:schemeClr val="phClr">
+              <a:shade val="95000"/>
+              <a:satMod val="105000"/>
+            </a:schemeClr>
+          </a:solidFill>
+          <a:prstDash val="solid"/>
+        </a:ln>
+        <a:ln w="25400" cap="flat" cmpd="sng" algn="ctr">
+          <a:solidFill>
+            <a:schemeClr val="phClr"/>
+          </a:solidFill>
+          <a:prstDash val="solid"/>
+        </a:ln>
+        <a:ln w="38100" cap="flat" cmpd="sng" algn="ctr">
+          <a:solidFill>
+            <a:schemeClr val="phClr"/>
+          </a:solidFill>
+          <a:prstDash val="solid"/>
+        </a:ln>
+      </a:lnStyleLst>
+      <a:effectStyleLst>
+        <a:effectStyle>
+          <a:effectLst>
+            <a:outerShdw blurRad="40000" dist="20000" dir="5400000" rotWithShape="0">
+              <a:srgbClr val="000000">
+                <a:alpha val="38000"/>
+              </a:srgbClr>
+            </a:outerShdw>
+          </a:effectLst>
+        </a:effectStyle>
+        <a:effectStyle>
+          <a:effectLst>
+            <a:outerShdw blurRad="40000" dist="23000" dir="5400000" rotWithShape="0">
+              <a:srgbClr val="000000">
+                <a:alpha val="35000"/>
+              </a:srgbClr>
+            </a:outerShdw>
+          </a:effectLst>
+        </a:effectStyle>
+        <a:effectStyle>
+          <a:effectLst>
+            <a:outerShdw blurRad="40000" dist="23000" dir="5400000" rotWithShape="0">
+              <a:srgbClr val="000000">
+                <a:alpha val="35000"/>
+              </a:srgbClr>
+            </a:outerShdw>
+          </a:effectLst>
+          <a:scene3d>
+            <a:camera prst="orthographicFront">
+              <a:rot lat="0" lon="0" rev="0"/>
+            </a:camera>
+            <a:lightRig rig="threePt" dir="t">
+              <a:rot lat="0" lon="0" rev="1200000"/>
+            </a:lightRig>
+          </a:scene3d>
+          <a:sp3d>
+            <a:bevelT w="63500" h="25400"/>
+          </a:sp3d>
+        </a:effectStyle>
+      </a:effectStyleLst>
+      <a:bgFillStyleLst>
+        <a:solidFill>
+          <a:schemeClr val="phClr"/>
+        </a:solidFill>
+        <a:gradFill rotWithShape="1">
+          <a:gsLst>
+            <a:gs pos="0">
+              <a:schemeClr val="phClr">
+                <a:tint val="40000"/>
+                <a:satMod val="350000"/>
+              </a:schemeClr>
+            </a:gs>
+            <a:gs pos="40000">
+              <a:schemeClr val="phClr">
+                <a:tint val="45000"/>
+                <a:shade val="99000"/>
+                <a:satMod val="350000"/>
+              </a:schemeClr>
+            </a:gs>
+            <a:gs pos="100000">
+              <a:schemeClr val="phClr">
+                <a:shade val="20000"/>
+                <a:satMod val="255000"/>
+              </a:schemeClr>
+            </a:gs>
+          </a:gsLst>
+          <a:path path="circle">
+            <a:fillToRect l="50000" t="-80000" r="50000" b="180000"/>
+          </a:path>
+        </a:gradFill>
+        <a:gradFill rotWithShape="1">
+          <a:gsLst>
+            <a:gs pos="0">
+              <a:schemeClr val="phClr">
+                <a:tint val="80000"/>
+                <a:satMod val="300000"/>
+              </a:schemeClr>
+            </a:gs>
+            <a:gs pos="100000">
+              <a:schemeClr val="phClr">
+                <a:shade val="30000"/>
+                <a:satMod val="200000"/>
+              </a:schemeClr>
+            </a:gs>
+          </a:gsLst>
+          <a:path path="circle">
+            <a:fillToRect l="50000" t="50000" r="50000" b="50000"/>
+          </a:path>
+        </a:gradFill>
+      </a:bgFillStyleLst>
+    </a:fmtScheme>
+  </a:themeElements>
+  <a:objectDefaults>
+    <a:spDef>
+      <a:spPr/>
+      <a:bodyPr/>
+      <a:lstStyle/>
+      <a:style>
+        <a:lnRef idx="1">
+          <a:schemeClr val="accent1"/>
+        </a:lnRef>
+        <a:fillRef idx="3">
+          <a:schemeClr val="accent1"/>
+        </a:fillRef>
+        <a:effectRef idx="2">
+          <a:schemeClr val="accent1"/>
+        </a:effectRef>
+        <a:fontRef idx="minor">
+          <a:schemeClr val="lt1"/>
+        </a:fontRef>
+      </a:style>
+    </a:spDef>
+    <a:lnDef>
+      <a:spPr/>
+      <a:bodyPr/>
+      <a:lstStyle/>
+      <a:style>
+        <a:lnRef idx="2">
+          <a:schemeClr val="accent1"/>
+        </a:lnRef>
+        <a:fillRef idx="0">
+          <a:schemeClr val="accent1"/>
+        </a:fillRef>
+        <a:effectRef idx="1">
+          <a:schemeClr val="accent1"/>
+        </a:effectRef>
+        <a:fontRef idx="minor">
+          <a:schemeClr val="tx1"/>
+        </a:fontRef>
+      </a:style>
+    </a:lnDef>
+  </a:objectDefaults>
+  <a:extraClrSchemeLst/>
+</a:theme>
 </file>
--- a/Project1-ExploreVis/Taraqur Rahman/CitiBike_Presentation.pptx
+++ b/Project1-ExploreVis/Taraqur Rahman/CitiBike_Presentation.pptx
@@ -5,10 +5,10 @@
     <p:sldMasterId id="2147483648" r:id="rId1"/>
   </p:sldMasterIdLst>
   <p:notesMasterIdLst>
-    <p:notesMasterId r:id="rId11"/>
+    <p:notesMasterId r:id="rId12"/>
   </p:notesMasterIdLst>
   <p:handoutMasterIdLst>
-    <p:handoutMasterId r:id="rId12"/>
+    <p:handoutMasterId r:id="rId13"/>
   </p:handoutMasterIdLst>
   <p:sldIdLst>
     <p:sldId id="256" r:id="rId2"/>
@@ -18,8 +18,9 @@
     <p:sldId id="264" r:id="rId6"/>
     <p:sldId id="261" r:id="rId7"/>
     <p:sldId id="262" r:id="rId8"/>
-    <p:sldId id="267" r:id="rId9"/>
-    <p:sldId id="263" r:id="rId10"/>
+    <p:sldId id="268" r:id="rId9"/>
+    <p:sldId id="267" r:id="rId10"/>
+    <p:sldId id="263" r:id="rId11"/>
   </p:sldIdLst>
   <p:sldSz cx="9144000" cy="6858000" type="screen4x3"/>
   <p:notesSz cx="6858000" cy="9144000"/>
@@ -203,7 +204,7 @@
           <a:p>
             <a:fld id="{88417410-E9CB-034D-B178-2D1DED523E58}" type="datetimeFigureOut">
               <a:rPr lang="en-US" smtClean="0"/>
-              <a:t>4/26/16</a:t>
+              <a:t>4/28/16</a:t>
             </a:fld>
             <a:endParaRPr lang="en-US"/>
           </a:p>
@@ -369,7 +370,7 @@
           <a:p>
             <a:fld id="{3DA2A715-090D-3D4E-8082-B529203A6441}" type="datetimeFigureOut">
               <a:rPr lang="en-US" smtClean="0"/>
-              <a:t>4/26/16</a:t>
+              <a:t>4/28/16</a:t>
             </a:fld>
             <a:endParaRPr lang="en-US"/>
           </a:p>
@@ -819,7 +820,7 @@
           <a:p>
             <a:fld id="{27C82FAF-EF7D-4E4C-9624-DDA83AEE741F}" type="datetime1">
               <a:rPr lang="en-US" smtClean="0"/>
-              <a:t>4/26/16</a:t>
+              <a:t>4/28/16</a:t>
             </a:fld>
             <a:endParaRPr lang="en-US"/>
           </a:p>
@@ -989,7 +990,7 @@
           <a:p>
             <a:fld id="{8F9373A6-4F2B-5249-BD7D-809BE5D1EC48}" type="datetime1">
               <a:rPr lang="en-US" smtClean="0"/>
-              <a:t>4/26/16</a:t>
+              <a:t>4/28/16</a:t>
             </a:fld>
             <a:endParaRPr lang="en-US"/>
           </a:p>
@@ -1169,7 +1170,7 @@
           <a:p>
             <a:fld id="{1C0E133B-A0D2-D645-ACD7-DD9505B58C8A}" type="datetime1">
               <a:rPr lang="en-US" smtClean="0"/>
-              <a:t>4/26/16</a:t>
+              <a:t>4/28/16</a:t>
             </a:fld>
             <a:endParaRPr lang="en-US"/>
           </a:p>
@@ -1339,7 +1340,7 @@
           <a:p>
             <a:fld id="{1585AD03-B22F-DA4D-AB93-8BCBCDBA7AA4}" type="datetime1">
               <a:rPr lang="en-US" smtClean="0"/>
-              <a:t>4/26/16</a:t>
+              <a:t>4/28/16</a:t>
             </a:fld>
             <a:endParaRPr lang="en-US"/>
           </a:p>
@@ -1585,7 +1586,7 @@
           <a:p>
             <a:fld id="{829DBEE2-F934-224D-A64A-3BA7B4930668}" type="datetime1">
               <a:rPr lang="en-US" smtClean="0"/>
-              <a:t>4/26/16</a:t>
+              <a:t>4/28/16</a:t>
             </a:fld>
             <a:endParaRPr lang="en-US"/>
           </a:p>
@@ -1873,7 +1874,7 @@
           <a:p>
             <a:fld id="{DF382854-F048-1E49-AAE9-A2D79C6E3301}" type="datetime1">
               <a:rPr lang="en-US" smtClean="0"/>
-              <a:t>4/26/16</a:t>
+              <a:t>4/28/16</a:t>
             </a:fld>
             <a:endParaRPr lang="en-US"/>
           </a:p>
@@ -2295,7 +2296,7 @@
           <a:p>
             <a:fld id="{68276AF7-B118-EC4F-81CB-047D06F7DBC2}" type="datetime1">
               <a:rPr lang="en-US" smtClean="0"/>
-              <a:t>4/26/16</a:t>
+              <a:t>4/28/16</a:t>
             </a:fld>
             <a:endParaRPr lang="en-US"/>
           </a:p>
@@ -2413,7 +2414,7 @@
           <a:p>
             <a:fld id="{9C376DF8-9A36-604C-853F-30F9D14AFBCD}" type="datetime1">
               <a:rPr lang="en-US" smtClean="0"/>
-              <a:t>4/26/16</a:t>
+              <a:t>4/28/16</a:t>
             </a:fld>
             <a:endParaRPr lang="en-US"/>
           </a:p>
@@ -2508,7 +2509,7 @@
           <a:p>
             <a:fld id="{06CE4778-7CC7-C344-8DE0-71B51F337742}" type="datetime1">
               <a:rPr lang="en-US" smtClean="0"/>
-              <a:t>4/26/16</a:t>
+              <a:t>4/28/16</a:t>
             </a:fld>
             <a:endParaRPr lang="en-US"/>
           </a:p>
@@ -2785,7 +2786,7 @@
           <a:p>
             <a:fld id="{BCC52420-DD0C-5447-A617-99145B6FC56A}" type="datetime1">
               <a:rPr lang="en-US" smtClean="0"/>
-              <a:t>4/26/16</a:t>
+              <a:t>4/28/16</a:t>
             </a:fld>
             <a:endParaRPr lang="en-US"/>
           </a:p>
@@ -3038,7 +3039,7 @@
           <a:p>
             <a:fld id="{E85DC769-FF4C-F74E-95A6-D21BDAAB697C}" type="datetime1">
               <a:rPr lang="en-US" smtClean="0"/>
-              <a:t>4/26/16</a:t>
+              <a:t>4/28/16</a:t>
             </a:fld>
             <a:endParaRPr lang="en-US"/>
           </a:p>
@@ -3251,7 +3252,7 @@
           <a:p>
             <a:fld id="{51D7AD58-6028-B246-8DE0-BFAE24CE4CF9}" type="datetime1">
               <a:rPr lang="en-US" smtClean="0"/>
-              <a:t>4/26/16</a:t>
+              <a:t>4/28/16</a:t>
             </a:fld>
             <a:endParaRPr lang="en-US"/>
           </a:p>
@@ -3763,6 +3764,168 @@
 </p:sld>
 </file>
 
+<file path=ppt/slides/slide10.xml><?xml version="1.0" encoding="utf-8"?>
+<p:sld xmlns:a="http://schemas.openxmlformats.org/drawingml/2006/main" xmlns:r="http://schemas.openxmlformats.org/officeDocument/2006/relationships" xmlns:p="http://schemas.openxmlformats.org/presentationml/2006/main">
+  <p:cSld>
+    <p:spTree>
+      <p:nvGrpSpPr>
+        <p:cNvPr id="1" name=""/>
+        <p:cNvGrpSpPr/>
+        <p:nvPr/>
+      </p:nvGrpSpPr>
+      <p:grpSpPr>
+        <a:xfrm>
+          <a:off x="0" y="0"/>
+          <a:ext cx="0" cy="0"/>
+          <a:chOff x="0" y="0"/>
+          <a:chExt cx="0" cy="0"/>
+        </a:xfrm>
+      </p:grpSpPr>
+      <p:sp>
+        <p:nvSpPr>
+          <p:cNvPr id="2" name="Title 1"/>
+          <p:cNvSpPr>
+            <a:spLocks noGrp="1"/>
+          </p:cNvSpPr>
+          <p:nvPr>
+            <p:ph type="title"/>
+          </p:nvPr>
+        </p:nvSpPr>
+        <p:spPr/>
+        <p:txBody>
+          <a:bodyPr/>
+          <a:lstStyle/>
+          <a:p>
+            <a:r>
+              <a:rPr lang="en-US" dirty="0" smtClean="0">
+                <a:solidFill>
+                  <a:srgbClr val="000090"/>
+                </a:solidFill>
+              </a:rPr>
+              <a:t>Further Analysis</a:t>
+            </a:r>
+            <a:endParaRPr lang="en-US" dirty="0">
+              <a:solidFill>
+                <a:srgbClr val="000090"/>
+              </a:solidFill>
+            </a:endParaRPr>
+          </a:p>
+        </p:txBody>
+      </p:sp>
+      <p:sp>
+        <p:nvSpPr>
+          <p:cNvPr id="3" name="Content Placeholder 2"/>
+          <p:cNvSpPr>
+            <a:spLocks noGrp="1"/>
+          </p:cNvSpPr>
+          <p:nvPr>
+            <p:ph idx="1"/>
+          </p:nvPr>
+        </p:nvSpPr>
+        <p:spPr/>
+        <p:txBody>
+          <a:bodyPr/>
+          <a:lstStyle/>
+          <a:p>
+            <a:r>
+              <a:rPr lang="en-US" dirty="0" smtClean="0">
+                <a:solidFill>
+                  <a:srgbClr val="000090"/>
+                </a:solidFill>
+              </a:rPr>
+              <a:t>How velocity is different throughout the year/seasons?</a:t>
+            </a:r>
+          </a:p>
+          <a:p>
+            <a:r>
+              <a:rPr lang="en-US" dirty="0" smtClean="0">
+                <a:solidFill>
+                  <a:srgbClr val="000090"/>
+                </a:solidFill>
+              </a:rPr>
+              <a:t>What </a:t>
+            </a:r>
+            <a:r>
+              <a:rPr lang="en-US" dirty="0" smtClean="0">
+                <a:solidFill>
+                  <a:srgbClr val="000090"/>
+                </a:solidFill>
+              </a:rPr>
+              <a:t>causes velocity to change</a:t>
+            </a:r>
+            <a:r>
+              <a:rPr lang="en-US" dirty="0" smtClean="0">
+                <a:solidFill>
+                  <a:srgbClr val="000090"/>
+                </a:solidFill>
+              </a:rPr>
+              <a:t>?</a:t>
+            </a:r>
+          </a:p>
+          <a:p>
+            <a:r>
+              <a:rPr lang="en-US" dirty="0" smtClean="0">
+                <a:solidFill>
+                  <a:srgbClr val="000090"/>
+                </a:solidFill>
+              </a:rPr>
+              <a:t>Where are the bike hotspots? </a:t>
+            </a:r>
+          </a:p>
+          <a:p>
+            <a:endParaRPr lang="en-US" dirty="0" smtClean="0">
+              <a:solidFill>
+                <a:srgbClr val="000090"/>
+              </a:solidFill>
+            </a:endParaRPr>
+          </a:p>
+          <a:p>
+            <a:pPr marL="0" indent="0">
+              <a:buNone/>
+            </a:pPr>
+            <a:endParaRPr lang="en-US" dirty="0" smtClean="0"/>
+          </a:p>
+          <a:p>
+            <a:endParaRPr lang="en-US" dirty="0"/>
+          </a:p>
+        </p:txBody>
+      </p:sp>
+      <p:sp>
+        <p:nvSpPr>
+          <p:cNvPr id="4" name="Slide Number Placeholder 3"/>
+          <p:cNvSpPr>
+            <a:spLocks noGrp="1"/>
+          </p:cNvSpPr>
+          <p:nvPr>
+            <p:ph type="sldNum" sz="quarter" idx="12"/>
+          </p:nvPr>
+        </p:nvSpPr>
+        <p:spPr/>
+        <p:txBody>
+          <a:bodyPr/>
+          <a:lstStyle/>
+          <a:p>
+            <a:fld id="{1A2E43FF-E6FA-5349-9CFE-D91336EA9137}" type="slidenum">
+              <a:rPr lang="en-US" smtClean="0"/>
+              <a:t>10</a:t>
+            </a:fld>
+            <a:endParaRPr lang="en-US"/>
+          </a:p>
+        </p:txBody>
+      </p:sp>
+    </p:spTree>
+    <p:extLst>
+      <p:ext uri="{BB962C8B-B14F-4D97-AF65-F5344CB8AC3E}">
+        <p14:creationId xmlns:p14="http://schemas.microsoft.com/office/powerpoint/2010/main" val="2958163011"/>
+      </p:ext>
+    </p:extLst>
+  </p:cSld>
+  <p:clrMapOvr>
+    <a:masterClrMapping/>
+  </p:clrMapOvr>
+</p:sld>
+</file>
+
 <file path=ppt/slides/slide2.xml><?xml version="1.0" encoding="utf-8"?>
 <p:sld xmlns:a="http://schemas.openxmlformats.org/drawingml/2006/main" xmlns:r="http://schemas.openxmlformats.org/officeDocument/2006/relationships" xmlns:p="http://schemas.openxmlformats.org/presentationml/2006/main">
   <p:cSld>
@@ -3906,11 +4069,6 @@
               </a:rPr>
               <a:t> program started May 2013 </a:t>
             </a:r>
-            <a:endParaRPr lang="en-US" dirty="0" smtClean="0">
-              <a:solidFill>
-                <a:srgbClr val="000090"/>
-              </a:solidFill>
-            </a:endParaRPr>
           </a:p>
           <a:p>
             <a:pPr marL="0" indent="0">
@@ -4775,9 +4933,32 @@
           <a:chExt cx="0" cy="0"/>
         </a:xfrm>
       </p:grpSpPr>
+      <p:sp>
+        <p:nvSpPr>
+          <p:cNvPr id="6" name="Slide Number Placeholder 5"/>
+          <p:cNvSpPr>
+            <a:spLocks noGrp="1"/>
+          </p:cNvSpPr>
+          <p:nvPr>
+            <p:ph type="sldNum" sz="quarter" idx="12"/>
+          </p:nvPr>
+        </p:nvSpPr>
+        <p:spPr/>
+        <p:txBody>
+          <a:bodyPr/>
+          <a:lstStyle/>
+          <a:p>
+            <a:fld id="{1A2E43FF-E6FA-5349-9CFE-D91336EA9137}" type="slidenum">
+              <a:rPr lang="en-US" smtClean="0"/>
+              <a:t>6</a:t>
+            </a:fld>
+            <a:endParaRPr lang="en-US"/>
+          </a:p>
+        </p:txBody>
+      </p:sp>
       <p:pic>
         <p:nvPicPr>
-          <p:cNvPr id="4" name="Picture 3" descr="Zero_Velocity.png"/>
+          <p:cNvPr id="3" name="Picture 2" descr="Zero_velocity.png"/>
           <p:cNvPicPr>
             <a:picLocks noChangeAspect="1"/>
           </p:cNvPicPr>
@@ -4797,37 +4978,14 @@
         </p:blipFill>
         <p:spPr>
           <a:xfrm>
-            <a:off x="-5551" y="352822"/>
-            <a:ext cx="8970767" cy="6262611"/>
+            <a:off x="307916" y="234190"/>
+            <a:ext cx="8141519" cy="6593132"/>
           </a:xfrm>
           <a:prstGeom prst="rect">
             <a:avLst/>
           </a:prstGeom>
         </p:spPr>
       </p:pic>
-      <p:sp>
-        <p:nvSpPr>
-          <p:cNvPr id="6" name="Slide Number Placeholder 5"/>
-          <p:cNvSpPr>
-            <a:spLocks noGrp="1"/>
-          </p:cNvSpPr>
-          <p:nvPr>
-            <p:ph type="sldNum" sz="quarter" idx="12"/>
-          </p:nvPr>
-        </p:nvSpPr>
-        <p:spPr/>
-        <p:txBody>
-          <a:bodyPr/>
-          <a:lstStyle/>
-          <a:p>
-            <a:fld id="{1A2E43FF-E6FA-5349-9CFE-D91336EA9137}" type="slidenum">
-              <a:rPr lang="en-US" smtClean="0"/>
-              <a:t>6</a:t>
-            </a:fld>
-            <a:endParaRPr lang="en-US"/>
-          </a:p>
-        </p:txBody>
-      </p:sp>
     </p:spTree>
     <p:extLst>
       <p:ext uri="{BB962C8B-B14F-4D97-AF65-F5344CB8AC3E}">
@@ -4941,6 +5099,89 @@
           <a:chExt cx="0" cy="0"/>
         </a:xfrm>
       </p:grpSpPr>
+      <p:sp>
+        <p:nvSpPr>
+          <p:cNvPr id="4" name="Slide Number Placeholder 3"/>
+          <p:cNvSpPr>
+            <a:spLocks noGrp="1"/>
+          </p:cNvSpPr>
+          <p:nvPr>
+            <p:ph type="sldNum" sz="quarter" idx="12"/>
+          </p:nvPr>
+        </p:nvSpPr>
+        <p:spPr/>
+        <p:txBody>
+          <a:bodyPr/>
+          <a:lstStyle/>
+          <a:p>
+            <a:fld id="{1A2E43FF-E6FA-5349-9CFE-D91336EA9137}" type="slidenum">
+              <a:rPr lang="en-US" smtClean="0"/>
+              <a:t>8</a:t>
+            </a:fld>
+            <a:endParaRPr lang="en-US"/>
+          </a:p>
+        </p:txBody>
+      </p:sp>
+      <p:pic>
+        <p:nvPicPr>
+          <p:cNvPr id="5" name="Picture 4" descr="AgevsVel.png"/>
+          <p:cNvPicPr>
+            <a:picLocks noChangeAspect="1"/>
+          </p:cNvPicPr>
+          <p:nvPr/>
+        </p:nvPicPr>
+        <p:blipFill>
+          <a:blip r:embed="rId2">
+            <a:extLst>
+              <a:ext uri="{28A0092B-C50C-407E-A947-70E740481C1C}">
+                <a14:useLocalDpi xmlns:a14="http://schemas.microsoft.com/office/drawing/2010/main" val="0"/>
+              </a:ext>
+            </a:extLst>
+          </a:blip>
+          <a:stretch>
+            <a:fillRect/>
+          </a:stretch>
+        </p:blipFill>
+        <p:spPr>
+          <a:xfrm>
+            <a:off x="123480" y="114280"/>
+            <a:ext cx="8290676" cy="6713922"/>
+          </a:xfrm>
+          <a:prstGeom prst="rect">
+            <a:avLst/>
+          </a:prstGeom>
+        </p:spPr>
+      </p:pic>
+    </p:spTree>
+    <p:extLst>
+      <p:ext uri="{BB962C8B-B14F-4D97-AF65-F5344CB8AC3E}">
+        <p14:creationId xmlns:p14="http://schemas.microsoft.com/office/powerpoint/2010/main" val="2501913223"/>
+      </p:ext>
+    </p:extLst>
+  </p:cSld>
+  <p:clrMapOvr>
+    <a:masterClrMapping/>
+  </p:clrMapOvr>
+</p:sld>
+</file>
+
+<file path=ppt/slides/slide9.xml><?xml version="1.0" encoding="utf-8"?>
+<p:sld xmlns:a="http://schemas.openxmlformats.org/drawingml/2006/main" xmlns:r="http://schemas.openxmlformats.org/officeDocument/2006/relationships" xmlns:p="http://schemas.openxmlformats.org/presentationml/2006/main">
+  <p:cSld>
+    <p:spTree>
+      <p:nvGrpSpPr>
+        <p:cNvPr id="1" name=""/>
+        <p:cNvGrpSpPr/>
+        <p:nvPr/>
+      </p:nvGrpSpPr>
+      <p:grpSpPr>
+        <a:xfrm>
+          <a:off x="0" y="0"/>
+          <a:ext cx="0" cy="0"/>
+          <a:chOff x="0" y="0"/>
+          <a:chExt cx="0" cy="0"/>
+        </a:xfrm>
+      </p:grpSpPr>
       <p:pic>
         <p:nvPicPr>
           <p:cNvPr id="4" name="Picture 3" descr="Per_Day.png"/>
@@ -4988,7 +5229,7 @@
           <a:p>
             <a:fld id="{1A2E43FF-E6FA-5349-9CFE-D91336EA9137}" type="slidenum">
               <a:rPr lang="en-US" smtClean="0"/>
-              <a:t>8</a:t>
+              <a:t>9</a:t>
             </a:fld>
             <a:endParaRPr lang="en-US"/>
           </a:p>
@@ -4998,181 +5239,6 @@
     <p:extLst>
       <p:ext uri="{BB962C8B-B14F-4D97-AF65-F5344CB8AC3E}">
         <p14:creationId xmlns:p14="http://schemas.microsoft.com/office/powerpoint/2010/main" val="3679490123"/>
-      </p:ext>
-    </p:extLst>
-  </p:cSld>
-  <p:clrMapOvr>
-    <a:masterClrMapping/>
-  </p:clrMapOvr>
-</p:sld>
-</file>
-
-<file path=ppt/slides/slide9.xml><?xml version="1.0" encoding="utf-8"?>
-<p:sld xmlns:a="http://schemas.openxmlformats.org/drawingml/2006/main" xmlns:r="http://schemas.openxmlformats.org/officeDocument/2006/relationships" xmlns:p="http://schemas.openxmlformats.org/presentationml/2006/main">
-  <p:cSld>
-    <p:spTree>
-      <p:nvGrpSpPr>
-        <p:cNvPr id="1" name=""/>
-        <p:cNvGrpSpPr/>
-        <p:nvPr/>
-      </p:nvGrpSpPr>
-      <p:grpSpPr>
-        <a:xfrm>
-          <a:off x="0" y="0"/>
-          <a:ext cx="0" cy="0"/>
-          <a:chOff x="0" y="0"/>
-          <a:chExt cx="0" cy="0"/>
-        </a:xfrm>
-      </p:grpSpPr>
-      <p:sp>
-        <p:nvSpPr>
-          <p:cNvPr id="2" name="Title 1"/>
-          <p:cNvSpPr>
-            <a:spLocks noGrp="1"/>
-          </p:cNvSpPr>
-          <p:nvPr>
-            <p:ph type="title"/>
-          </p:nvPr>
-        </p:nvSpPr>
-        <p:spPr/>
-        <p:txBody>
-          <a:bodyPr/>
-          <a:lstStyle/>
-          <a:p>
-            <a:r>
-              <a:rPr lang="en-US" dirty="0" smtClean="0">
-                <a:solidFill>
-                  <a:srgbClr val="000090"/>
-                </a:solidFill>
-              </a:rPr>
-              <a:t>Further Analysis</a:t>
-            </a:r>
-            <a:endParaRPr lang="en-US" dirty="0">
-              <a:solidFill>
-                <a:srgbClr val="000090"/>
-              </a:solidFill>
-            </a:endParaRPr>
-          </a:p>
-        </p:txBody>
-      </p:sp>
-      <p:sp>
-        <p:nvSpPr>
-          <p:cNvPr id="3" name="Content Placeholder 2"/>
-          <p:cNvSpPr>
-            <a:spLocks noGrp="1"/>
-          </p:cNvSpPr>
-          <p:nvPr>
-            <p:ph idx="1"/>
-          </p:nvPr>
-        </p:nvSpPr>
-        <p:spPr/>
-        <p:txBody>
-          <a:bodyPr/>
-          <a:lstStyle/>
-          <a:p>
-            <a:r>
-              <a:rPr lang="en-US" dirty="0" smtClean="0">
-                <a:solidFill>
-                  <a:srgbClr val="000090"/>
-                </a:solidFill>
-              </a:rPr>
-              <a:t>How velocity is different throughout the </a:t>
-            </a:r>
-            <a:r>
-              <a:rPr lang="en-US" dirty="0" smtClean="0">
-                <a:solidFill>
-                  <a:srgbClr val="000090"/>
-                </a:solidFill>
-              </a:rPr>
-              <a:t>year/seasons?</a:t>
-            </a:r>
-            <a:endParaRPr lang="en-US" dirty="0" smtClean="0">
-              <a:solidFill>
-                <a:srgbClr val="000090"/>
-              </a:solidFill>
-            </a:endParaRPr>
-          </a:p>
-          <a:p>
-            <a:r>
-              <a:rPr lang="en-US" dirty="0" smtClean="0">
-                <a:solidFill>
-                  <a:srgbClr val="000090"/>
-                </a:solidFill>
-              </a:rPr>
-              <a:t>How traffic plays a role in the velocity of bikes?</a:t>
-            </a:r>
-          </a:p>
-          <a:p>
-            <a:r>
-              <a:rPr lang="en-US" dirty="0" smtClean="0">
-                <a:solidFill>
-                  <a:srgbClr val="000090"/>
-                </a:solidFill>
-              </a:rPr>
-              <a:t>Does bike lanes help with the velocity</a:t>
-            </a:r>
-            <a:r>
-              <a:rPr lang="en-US" dirty="0" smtClean="0">
-                <a:solidFill>
-                  <a:srgbClr val="000090"/>
-                </a:solidFill>
-              </a:rPr>
-              <a:t>?</a:t>
-            </a:r>
-          </a:p>
-          <a:p>
-            <a:r>
-              <a:rPr lang="en-US" dirty="0" smtClean="0">
-                <a:solidFill>
-                  <a:srgbClr val="000090"/>
-                </a:solidFill>
-              </a:rPr>
-              <a:t>What causes velocity to change?</a:t>
-            </a:r>
-            <a:endParaRPr lang="en-US" dirty="0" smtClean="0">
-              <a:solidFill>
-                <a:srgbClr val="000090"/>
-              </a:solidFill>
-            </a:endParaRPr>
-          </a:p>
-          <a:p>
-            <a:pPr marL="0" indent="0">
-              <a:buNone/>
-            </a:pPr>
-            <a:endParaRPr lang="en-US" dirty="0" smtClean="0"/>
-          </a:p>
-          <a:p>
-            <a:endParaRPr lang="en-US" dirty="0"/>
-          </a:p>
-        </p:txBody>
-      </p:sp>
-      <p:sp>
-        <p:nvSpPr>
-          <p:cNvPr id="4" name="Slide Number Placeholder 3"/>
-          <p:cNvSpPr>
-            <a:spLocks noGrp="1"/>
-          </p:cNvSpPr>
-          <p:nvPr>
-            <p:ph type="sldNum" sz="quarter" idx="12"/>
-          </p:nvPr>
-        </p:nvSpPr>
-        <p:spPr/>
-        <p:txBody>
-          <a:bodyPr/>
-          <a:lstStyle/>
-          <a:p>
-            <a:fld id="{1A2E43FF-E6FA-5349-9CFE-D91336EA9137}" type="slidenum">
-              <a:rPr lang="en-US" smtClean="0"/>
-              <a:t>9</a:t>
-            </a:fld>
-            <a:endParaRPr lang="en-US"/>
-          </a:p>
-        </p:txBody>
-      </p:sp>
-    </p:spTree>
-    <p:extLst>
-      <p:ext uri="{BB962C8B-B14F-4D97-AF65-F5344CB8AC3E}">
-        <p14:creationId xmlns:p14="http://schemas.microsoft.com/office/powerpoint/2010/main" val="2958163011"/>
       </p:ext>
     </p:extLst>
   </p:cSld>
